--- a/LABS/LAB02/LAB02_ppt1_ScriptsVariables.pptx
+++ b/LABS/LAB02/LAB02_ppt1_ScriptsVariables.pptx
@@ -2730,7 +2730,7 @@
           </a:lstStyle>
           <a:p>
             <a:r>
-              <a:rPr lang="en-US" smtClean="0"/>
+              <a:rPr lang="en-US"/>
               <a:t>Click to edit Master title style</a:t>
             </a:r>
             <a:endParaRPr lang="en-US" dirty="0"/>
@@ -2850,7 +2850,7 @@
           </a:lstStyle>
           <a:p>
             <a:r>
-              <a:rPr lang="en-US" smtClean="0"/>
+              <a:rPr lang="en-US"/>
               <a:t>Click to edit Master subtitle style</a:t>
             </a:r>
             <a:endParaRPr lang="en-US" dirty="0"/>
@@ -3079,7 +3079,7 @@
           </a:lstStyle>
           <a:p>
             <a:r>
-              <a:rPr lang="en-US" smtClean="0"/>
+              <a:rPr lang="en-US"/>
               <a:t>Click to edit Master title style</a:t>
             </a:r>
             <a:endParaRPr lang="en-US" dirty="0"/>
@@ -3202,7 +3202,7 @@
           <a:p>
             <a:pPr lvl="0"/>
             <a:r>
-              <a:rPr lang="en-US" smtClean="0"/>
+              <a:rPr lang="en-US"/>
               <a:t>Click to edit Master text styles</a:t>
             </a:r>
           </a:p>
@@ -3435,7 +3435,7 @@
           </a:lstStyle>
           <a:p>
             <a:r>
-              <a:rPr lang="en-US" smtClean="0"/>
+              <a:rPr lang="en-US"/>
               <a:t>Click to edit Master title style</a:t>
             </a:r>
             <a:endParaRPr lang="en-US" dirty="0"/>
@@ -3499,7 +3499,7 @@
           <a:p>
             <a:pPr lvl="0"/>
             <a:r>
-              <a:rPr lang="en-US" smtClean="0"/>
+              <a:rPr lang="en-US"/>
               <a:t>Click to edit Master text styles</a:t>
             </a:r>
           </a:p>
@@ -3621,7 +3621,7 @@
           <a:p>
             <a:pPr lvl="0"/>
             <a:r>
-              <a:rPr lang="en-US" smtClean="0"/>
+              <a:rPr lang="en-US"/>
               <a:t>Click to edit Master text styles</a:t>
             </a:r>
           </a:p>
@@ -3930,7 +3930,7 @@
           </a:lstStyle>
           <a:p>
             <a:r>
-              <a:rPr lang="en-US" smtClean="0"/>
+              <a:rPr lang="en-US"/>
               <a:t>Click to edit Master title style</a:t>
             </a:r>
             <a:endParaRPr lang="en-US" dirty="0"/>
@@ -3975,7 +3975,7 @@
               <a:buNone/>
             </a:pPr>
             <a:r>
-              <a:rPr lang="en-US" smtClean="0"/>
+              <a:rPr lang="en-US"/>
               <a:t>Click to edit Master text styles</a:t>
             </a:r>
           </a:p>
@@ -4208,7 +4208,7 @@
           </a:lstStyle>
           <a:p>
             <a:r>
-              <a:rPr lang="en-US" smtClean="0"/>
+              <a:rPr lang="en-US"/>
               <a:t>Click to edit Master title style</a:t>
             </a:r>
             <a:endParaRPr lang="en-US" dirty="0"/>
@@ -4269,7 +4269,7 @@
           <a:p>
             <a:pPr lvl="0"/>
             <a:r>
-              <a:rPr lang="en-US" smtClean="0"/>
+              <a:rPr lang="en-US"/>
               <a:t>Click to edit Master text styles</a:t>
             </a:r>
           </a:p>
@@ -4313,7 +4313,7 @@
               <a:buNone/>
             </a:pPr>
             <a:r>
-              <a:rPr lang="en-US" smtClean="0"/>
+              <a:rPr lang="en-US"/>
               <a:t>Click to edit Master text styles</a:t>
             </a:r>
           </a:p>
@@ -4622,7 +4622,7 @@
           </a:lstStyle>
           <a:p>
             <a:r>
-              <a:rPr lang="en-US" smtClean="0"/>
+              <a:rPr lang="en-US"/>
               <a:t>Click to edit Master title style</a:t>
             </a:r>
             <a:endParaRPr lang="en-US" dirty="0"/>
@@ -4683,7 +4683,7 @@
           <a:p>
             <a:pPr lvl="0"/>
             <a:r>
-              <a:rPr lang="en-US" smtClean="0"/>
+              <a:rPr lang="en-US"/>
               <a:t>Click to edit Master text styles</a:t>
             </a:r>
           </a:p>
@@ -4727,7 +4727,7 @@
               <a:buNone/>
             </a:pPr>
             <a:r>
-              <a:rPr lang="en-US" smtClean="0"/>
+              <a:rPr lang="en-US"/>
               <a:t>Click to edit Master text styles</a:t>
             </a:r>
           </a:p>
@@ -4949,7 +4949,7 @@
           <a:lstStyle/>
           <a:p>
             <a:r>
-              <a:rPr lang="en-US" smtClean="0"/>
+              <a:rPr lang="en-US"/>
               <a:t>Click to edit Master title style</a:t>
             </a:r>
             <a:endParaRPr lang="en-US" dirty="0"/>
@@ -4973,35 +4973,35 @@
           <a:p>
             <a:pPr lvl="0"/>
             <a:r>
-              <a:rPr lang="en-US" smtClean="0"/>
+              <a:rPr lang="en-US"/>
               <a:t>Click to edit Master text styles</a:t>
             </a:r>
           </a:p>
           <a:p>
             <a:pPr lvl="1"/>
             <a:r>
-              <a:rPr lang="en-US" smtClean="0"/>
+              <a:rPr lang="en-US"/>
               <a:t>Second level</a:t>
             </a:r>
           </a:p>
           <a:p>
             <a:pPr lvl="2"/>
             <a:r>
-              <a:rPr lang="en-US" smtClean="0"/>
+              <a:rPr lang="en-US"/>
               <a:t>Third level</a:t>
             </a:r>
           </a:p>
           <a:p>
             <a:pPr lvl="3"/>
             <a:r>
-              <a:rPr lang="en-US" smtClean="0"/>
+              <a:rPr lang="en-US"/>
               <a:t>Fourth level</a:t>
             </a:r>
           </a:p>
           <a:p>
             <a:pPr lvl="4"/>
             <a:r>
-              <a:rPr lang="en-US" smtClean="0"/>
+              <a:rPr lang="en-US"/>
               <a:t>Fifth level</a:t>
             </a:r>
             <a:endParaRPr lang="en-US" dirty="0"/>
@@ -5223,7 +5223,7 @@
           <a:lstStyle/>
           <a:p>
             <a:r>
-              <a:rPr lang="en-US" smtClean="0"/>
+              <a:rPr lang="en-US"/>
               <a:t>Click to edit Master title style</a:t>
             </a:r>
             <a:endParaRPr lang="en-US" dirty="0"/>
@@ -5252,35 +5252,35 @@
           <a:p>
             <a:pPr lvl="0"/>
             <a:r>
-              <a:rPr lang="en-US" smtClean="0"/>
+              <a:rPr lang="en-US"/>
               <a:t>Click to edit Master text styles</a:t>
             </a:r>
           </a:p>
           <a:p>
             <a:pPr lvl="1"/>
             <a:r>
-              <a:rPr lang="en-US" smtClean="0"/>
+              <a:rPr lang="en-US"/>
               <a:t>Second level</a:t>
             </a:r>
           </a:p>
           <a:p>
             <a:pPr lvl="2"/>
             <a:r>
-              <a:rPr lang="en-US" smtClean="0"/>
+              <a:rPr lang="en-US"/>
               <a:t>Third level</a:t>
             </a:r>
           </a:p>
           <a:p>
             <a:pPr lvl="3"/>
             <a:r>
-              <a:rPr lang="en-US" smtClean="0"/>
+              <a:rPr lang="en-US"/>
               <a:t>Fourth level</a:t>
             </a:r>
           </a:p>
           <a:p>
             <a:pPr lvl="4"/>
             <a:r>
-              <a:rPr lang="en-US" smtClean="0"/>
+              <a:rPr lang="en-US"/>
               <a:t>Fifth level</a:t>
             </a:r>
             <a:endParaRPr lang="en-US" dirty="0"/>
@@ -6062,7 +6062,7 @@
           <a:lstStyle/>
           <a:p>
             <a:r>
-              <a:rPr lang="en-US" smtClean="0"/>
+              <a:rPr lang="en-US"/>
               <a:t>Click to edit Master title style</a:t>
             </a:r>
             <a:endParaRPr lang="en-US" dirty="0"/>
@@ -6091,35 +6091,35 @@
           <a:p>
             <a:pPr lvl="0"/>
             <a:r>
-              <a:rPr lang="en-US" smtClean="0"/>
+              <a:rPr lang="en-US"/>
               <a:t>Click to edit Master text styles</a:t>
             </a:r>
           </a:p>
           <a:p>
             <a:pPr lvl="1"/>
             <a:r>
-              <a:rPr lang="en-US" smtClean="0"/>
+              <a:rPr lang="en-US"/>
               <a:t>Second level</a:t>
             </a:r>
           </a:p>
           <a:p>
             <a:pPr lvl="2"/>
             <a:r>
-              <a:rPr lang="en-US" smtClean="0"/>
+              <a:rPr lang="en-US"/>
               <a:t>Third level</a:t>
             </a:r>
           </a:p>
           <a:p>
             <a:pPr lvl="3"/>
             <a:r>
-              <a:rPr lang="en-US" smtClean="0"/>
+              <a:rPr lang="en-US"/>
               <a:t>Fourth level</a:t>
             </a:r>
           </a:p>
           <a:p>
             <a:pPr lvl="4"/>
             <a:r>
-              <a:rPr lang="en-US" smtClean="0"/>
+              <a:rPr lang="en-US"/>
               <a:t>Fifth level</a:t>
             </a:r>
             <a:endParaRPr lang="en-US" dirty="0"/>
@@ -6346,7 +6346,7 @@
           </a:lstStyle>
           <a:p>
             <a:r>
-              <a:rPr lang="en-US" smtClean="0"/>
+              <a:rPr lang="en-US"/>
               <a:t>Click to edit Master title style</a:t>
             </a:r>
             <a:endParaRPr lang="en-US" dirty="0"/>
@@ -6467,7 +6467,7 @@
           <a:p>
             <a:pPr lvl="0"/>
             <a:r>
-              <a:rPr lang="en-US" smtClean="0"/>
+              <a:rPr lang="en-US"/>
               <a:t>Click to edit Master text styles</a:t>
             </a:r>
           </a:p>
@@ -6688,7 +6688,7 @@
           <a:lstStyle/>
           <a:p>
             <a:r>
-              <a:rPr lang="en-US" smtClean="0"/>
+              <a:rPr lang="en-US"/>
               <a:t>Click to edit Master title style</a:t>
             </a:r>
             <a:endParaRPr lang="en-US" dirty="0"/>
@@ -6719,35 +6719,35 @@
           <a:p>
             <a:pPr lvl="0"/>
             <a:r>
-              <a:rPr lang="en-US" smtClean="0"/>
+              <a:rPr lang="en-US"/>
               <a:t>Click to edit Master text styles</a:t>
             </a:r>
           </a:p>
           <a:p>
             <a:pPr lvl="1"/>
             <a:r>
-              <a:rPr lang="en-US" smtClean="0"/>
+              <a:rPr lang="en-US"/>
               <a:t>Second level</a:t>
             </a:r>
           </a:p>
           <a:p>
             <a:pPr lvl="2"/>
             <a:r>
-              <a:rPr lang="en-US" smtClean="0"/>
+              <a:rPr lang="en-US"/>
               <a:t>Third level</a:t>
             </a:r>
           </a:p>
           <a:p>
             <a:pPr lvl="3"/>
             <a:r>
-              <a:rPr lang="en-US" smtClean="0"/>
+              <a:rPr lang="en-US"/>
               <a:t>Fourth level</a:t>
             </a:r>
           </a:p>
           <a:p>
             <a:pPr lvl="4"/>
             <a:r>
-              <a:rPr lang="en-US" smtClean="0"/>
+              <a:rPr lang="en-US"/>
               <a:t>Fifth level</a:t>
             </a:r>
             <a:endParaRPr lang="en-US" dirty="0"/>
@@ -6778,35 +6778,35 @@
           <a:p>
             <a:pPr lvl="0"/>
             <a:r>
-              <a:rPr lang="en-US" smtClean="0"/>
+              <a:rPr lang="en-US"/>
               <a:t>Click to edit Master text styles</a:t>
             </a:r>
           </a:p>
           <a:p>
             <a:pPr lvl="1"/>
             <a:r>
-              <a:rPr lang="en-US" smtClean="0"/>
+              <a:rPr lang="en-US"/>
               <a:t>Second level</a:t>
             </a:r>
           </a:p>
           <a:p>
             <a:pPr lvl="2"/>
             <a:r>
-              <a:rPr lang="en-US" smtClean="0"/>
+              <a:rPr lang="en-US"/>
               <a:t>Third level</a:t>
             </a:r>
           </a:p>
           <a:p>
             <a:pPr lvl="3"/>
             <a:r>
-              <a:rPr lang="en-US" smtClean="0"/>
+              <a:rPr lang="en-US"/>
               <a:t>Fourth level</a:t>
             </a:r>
           </a:p>
           <a:p>
             <a:pPr lvl="4"/>
             <a:r>
-              <a:rPr lang="en-US" smtClean="0"/>
+              <a:rPr lang="en-US"/>
               <a:t>Fifth level</a:t>
             </a:r>
             <a:endParaRPr lang="en-US" dirty="0"/>
@@ -7028,7 +7028,7 @@
           <a:lstStyle/>
           <a:p>
             <a:r>
-              <a:rPr lang="en-US" smtClean="0"/>
+              <a:rPr lang="en-US"/>
               <a:t>Click to edit Master title style</a:t>
             </a:r>
             <a:endParaRPr lang="en-US" dirty="0"/>
@@ -7096,7 +7096,7 @@
           <a:p>
             <a:pPr lvl="0"/>
             <a:r>
-              <a:rPr lang="en-US" smtClean="0"/>
+              <a:rPr lang="en-US"/>
               <a:t>Click to edit Master text styles</a:t>
             </a:r>
           </a:p>
@@ -7126,35 +7126,35 @@
           <a:p>
             <a:pPr lvl="0"/>
             <a:r>
-              <a:rPr lang="en-US" smtClean="0"/>
+              <a:rPr lang="en-US"/>
               <a:t>Click to edit Master text styles</a:t>
             </a:r>
           </a:p>
           <a:p>
             <a:pPr lvl="1"/>
             <a:r>
-              <a:rPr lang="en-US" smtClean="0"/>
+              <a:rPr lang="en-US"/>
               <a:t>Second level</a:t>
             </a:r>
           </a:p>
           <a:p>
             <a:pPr lvl="2"/>
             <a:r>
-              <a:rPr lang="en-US" smtClean="0"/>
+              <a:rPr lang="en-US"/>
               <a:t>Third level</a:t>
             </a:r>
           </a:p>
           <a:p>
             <a:pPr lvl="3"/>
             <a:r>
-              <a:rPr lang="en-US" smtClean="0"/>
+              <a:rPr lang="en-US"/>
               <a:t>Fourth level</a:t>
             </a:r>
           </a:p>
           <a:p>
             <a:pPr lvl="4"/>
             <a:r>
-              <a:rPr lang="en-US" smtClean="0"/>
+              <a:rPr lang="en-US"/>
               <a:t>Fifth level</a:t>
             </a:r>
             <a:endParaRPr lang="en-US" dirty="0"/>
@@ -7222,7 +7222,7 @@
           <a:p>
             <a:pPr lvl="0"/>
             <a:r>
-              <a:rPr lang="en-US" smtClean="0"/>
+              <a:rPr lang="en-US"/>
               <a:t>Click to edit Master text styles</a:t>
             </a:r>
           </a:p>
@@ -7252,35 +7252,35 @@
           <a:p>
             <a:pPr lvl="0"/>
             <a:r>
-              <a:rPr lang="en-US" smtClean="0"/>
+              <a:rPr lang="en-US"/>
               <a:t>Click to edit Master text styles</a:t>
             </a:r>
           </a:p>
           <a:p>
             <a:pPr lvl="1"/>
             <a:r>
-              <a:rPr lang="en-US" smtClean="0"/>
+              <a:rPr lang="en-US"/>
               <a:t>Second level</a:t>
             </a:r>
           </a:p>
           <a:p>
             <a:pPr lvl="2"/>
             <a:r>
-              <a:rPr lang="en-US" smtClean="0"/>
+              <a:rPr lang="en-US"/>
               <a:t>Third level</a:t>
             </a:r>
           </a:p>
           <a:p>
             <a:pPr lvl="3"/>
             <a:r>
-              <a:rPr lang="en-US" smtClean="0"/>
+              <a:rPr lang="en-US"/>
               <a:t>Fourth level</a:t>
             </a:r>
           </a:p>
           <a:p>
             <a:pPr lvl="4"/>
             <a:r>
-              <a:rPr lang="en-US" smtClean="0"/>
+              <a:rPr lang="en-US"/>
               <a:t>Fifth level</a:t>
             </a:r>
             <a:endParaRPr lang="en-US" dirty="0"/>
@@ -7507,7 +7507,7 @@
           <a:lstStyle/>
           <a:p>
             <a:r>
-              <a:rPr lang="en-US" smtClean="0"/>
+              <a:rPr lang="en-US"/>
               <a:t>Click to edit Master title style</a:t>
             </a:r>
             <a:endParaRPr lang="en-US" dirty="0"/>
@@ -7927,7 +7927,7 @@
           </a:lstStyle>
           <a:p>
             <a:r>
-              <a:rPr lang="en-US" smtClean="0"/>
+              <a:rPr lang="en-US"/>
               <a:t>Click to edit Master title style</a:t>
             </a:r>
             <a:endParaRPr lang="en-US" dirty="0"/>
@@ -7958,35 +7958,35 @@
           <a:p>
             <a:pPr lvl="0"/>
             <a:r>
-              <a:rPr lang="en-US" smtClean="0"/>
+              <a:rPr lang="en-US"/>
               <a:t>Click to edit Master text styles</a:t>
             </a:r>
           </a:p>
           <a:p>
             <a:pPr lvl="1"/>
             <a:r>
-              <a:rPr lang="en-US" smtClean="0"/>
+              <a:rPr lang="en-US"/>
               <a:t>Second level</a:t>
             </a:r>
           </a:p>
           <a:p>
             <a:pPr lvl="2"/>
             <a:r>
-              <a:rPr lang="en-US" smtClean="0"/>
+              <a:rPr lang="en-US"/>
               <a:t>Third level</a:t>
             </a:r>
           </a:p>
           <a:p>
             <a:pPr lvl="3"/>
             <a:r>
-              <a:rPr lang="en-US" smtClean="0"/>
+              <a:rPr lang="en-US"/>
               <a:t>Fourth level</a:t>
             </a:r>
           </a:p>
           <a:p>
             <a:pPr lvl="4"/>
             <a:r>
-              <a:rPr lang="en-US" smtClean="0"/>
+              <a:rPr lang="en-US"/>
               <a:t>Fifth level</a:t>
             </a:r>
             <a:endParaRPr lang="en-US" dirty="0"/>
@@ -8052,7 +8052,7 @@
           <a:p>
             <a:pPr lvl="0"/>
             <a:r>
-              <a:rPr lang="en-US" smtClean="0"/>
+              <a:rPr lang="en-US"/>
               <a:t>Click to edit Master text styles</a:t>
             </a:r>
           </a:p>
@@ -8279,7 +8279,7 @@
           </a:lstStyle>
           <a:p>
             <a:r>
-              <a:rPr lang="en-US" smtClean="0"/>
+              <a:rPr lang="en-US"/>
               <a:t>Click to edit Master title style</a:t>
             </a:r>
             <a:endParaRPr lang="en-US" dirty="0"/>
@@ -8346,7 +8346,7 @@
           </a:lstStyle>
           <a:p>
             <a:r>
-              <a:rPr lang="en-US" smtClean="0"/>
+              <a:rPr lang="en-US"/>
               <a:t>Click icon to add picture</a:t>
             </a:r>
             <a:endParaRPr lang="en-US" dirty="0"/>
@@ -8414,7 +8414,7 @@
           <a:p>
             <a:pPr lvl="0"/>
             <a:r>
-              <a:rPr lang="en-US" smtClean="0"/>
+              <a:rPr lang="en-US"/>
               <a:t>Click to edit Master text styles</a:t>
             </a:r>
           </a:p>
@@ -10467,7 +10467,7 @@
           <a:lstStyle/>
           <a:p>
             <a:r>
-              <a:rPr lang="en-US" smtClean="0"/>
+              <a:rPr lang="en-US"/>
               <a:t>Click to edit Master title style</a:t>
             </a:r>
             <a:endParaRPr lang="en-US" dirty="0"/>
@@ -10501,35 +10501,35 @@
           <a:p>
             <a:pPr lvl="0"/>
             <a:r>
-              <a:rPr lang="en-US" smtClean="0"/>
+              <a:rPr lang="en-US"/>
               <a:t>Click to edit Master text styles</a:t>
             </a:r>
           </a:p>
           <a:p>
             <a:pPr lvl="1"/>
             <a:r>
-              <a:rPr lang="en-US" smtClean="0"/>
+              <a:rPr lang="en-US"/>
               <a:t>Second level</a:t>
             </a:r>
           </a:p>
           <a:p>
             <a:pPr lvl="2"/>
             <a:r>
-              <a:rPr lang="en-US" smtClean="0"/>
+              <a:rPr lang="en-US"/>
               <a:t>Third level</a:t>
             </a:r>
           </a:p>
           <a:p>
             <a:pPr lvl="3"/>
             <a:r>
-              <a:rPr lang="en-US" smtClean="0"/>
+              <a:rPr lang="en-US"/>
               <a:t>Fourth level</a:t>
             </a:r>
           </a:p>
           <a:p>
             <a:pPr lvl="4"/>
             <a:r>
-              <a:rPr lang="en-US" smtClean="0"/>
+              <a:rPr lang="en-US"/>
               <a:t>Fifth level</a:t>
             </a:r>
             <a:endParaRPr lang="en-US" dirty="0"/>
@@ -11150,7 +11150,7 @@
               <a:buNone/>
             </a:pPr>
             <a:r>
-              <a:rPr lang="en-US" sz="4400" b="1" i="0" u="none" strike="noStrike" cap="none" dirty="0" smtClean="0">
+              <a:rPr lang="en-US" sz="4400" b="1" i="0" u="none" strike="noStrike" cap="none" dirty="0">
                 <a:solidFill>
                   <a:schemeClr val="tx1"/>
                 </a:solidFill>
@@ -11171,19 +11171,8 @@
               </a:rPr>
               <a:t> </a:t>
             </a:r>
-            <a:r>
-              <a:rPr lang="en-US" sz="4400" b="1" dirty="0" smtClean="0">
-                <a:solidFill>
-                  <a:schemeClr val="tx1"/>
-                </a:solidFill>
-                <a:ea typeface="Arial"/>
-                <a:cs typeface="Arial"/>
-                <a:sym typeface="Arial"/>
-              </a:rPr>
-              <a:t/>
-            </a:r>
             <a:br>
-              <a:rPr lang="en-US" sz="4400" b="1" dirty="0" smtClean="0">
+              <a:rPr lang="en-US" sz="4400" b="1" dirty="0">
                 <a:solidFill>
                   <a:schemeClr val="tx1"/>
                 </a:solidFill>
@@ -11193,7 +11182,7 @@
               </a:rPr>
             </a:br>
             <a:r>
-              <a:rPr lang="en-US" sz="4400" b="1" dirty="0" smtClean="0">
+              <a:rPr lang="en-US" sz="4400" b="1" dirty="0">
                 <a:solidFill>
                   <a:schemeClr val="tx1"/>
                 </a:solidFill>
@@ -11203,14 +11192,6 @@
               </a:rPr>
               <a:t>Part I</a:t>
             </a:r>
-            <a:endParaRPr lang="en-US" sz="4400" b="1" dirty="0">
-              <a:solidFill>
-                <a:schemeClr val="tx1"/>
-              </a:solidFill>
-              <a:ea typeface="Arial"/>
-              <a:cs typeface="Arial"/>
-              <a:sym typeface="Arial"/>
-            </a:endParaRPr>
           </a:p>
         </p:txBody>
       </p:sp>
@@ -11258,10 +11239,18 @@
                 <a:cs typeface="Arial"/>
                 <a:sym typeface="Arial"/>
               </a:rPr>
-              <a:t>AGGP </a:t>
-            </a:r>
-            <a:r>
-              <a:rPr lang="en-US" b="1" dirty="0" smtClean="0">
+              <a:t>AGGP 101c</a:t>
+            </a:r>
+          </a:p>
+          <a:p>
+            <a:pPr lvl="0">
+              <a:spcBef>
+                <a:spcPts val="0"/>
+              </a:spcBef>
+              <a:buSzPct val="25000"/>
+            </a:pPr>
+            <a:r>
+              <a:rPr lang="en-US" b="1" dirty="0">
                 <a:solidFill>
                   <a:schemeClr val="tx1"/>
                 </a:solidFill>
@@ -11269,7 +11258,7 @@
                 <a:cs typeface="Arial"/>
                 <a:sym typeface="Arial"/>
               </a:rPr>
-              <a:t>101c</a:t>
+              <a:t>Introduction to Game Design and </a:t>
             </a:r>
           </a:p>
           <a:p>
@@ -11280,7 +11269,7 @@
               <a:buSzPct val="25000"/>
             </a:pPr>
             <a:r>
-              <a:rPr lang="en-US" b="1" dirty="0" smtClean="0">
+              <a:rPr lang="en-US" b="1" dirty="0">
                 <a:solidFill>
                   <a:schemeClr val="tx1"/>
                 </a:solidFill>
@@ -11288,59 +11277,7 @@
                 <a:cs typeface="Arial"/>
                 <a:sym typeface="Arial"/>
               </a:rPr>
-              <a:t>Introduction </a:t>
-            </a:r>
-            <a:r>
-              <a:rPr lang="en-US" b="1" dirty="0">
-                <a:solidFill>
-                  <a:schemeClr val="tx1"/>
-                </a:solidFill>
-                <a:ea typeface="Arial"/>
-                <a:cs typeface="Arial"/>
-                <a:sym typeface="Arial"/>
-              </a:rPr>
-              <a:t>to Game Design </a:t>
-            </a:r>
-            <a:r>
-              <a:rPr lang="en-US" b="1" dirty="0" smtClean="0">
-                <a:solidFill>
-                  <a:schemeClr val="tx1"/>
-                </a:solidFill>
-                <a:ea typeface="Arial"/>
-                <a:cs typeface="Arial"/>
-                <a:sym typeface="Arial"/>
-              </a:rPr>
-              <a:t>and </a:t>
-            </a:r>
-          </a:p>
-          <a:p>
-            <a:pPr lvl="0">
-              <a:spcBef>
-                <a:spcPts val="0"/>
-              </a:spcBef>
-              <a:buSzPct val="25000"/>
-            </a:pPr>
-            <a:r>
-              <a:rPr lang="en-US" b="1" dirty="0" smtClean="0">
-                <a:solidFill>
-                  <a:schemeClr val="tx1"/>
-                </a:solidFill>
-                <a:ea typeface="Arial"/>
-                <a:cs typeface="Arial"/>
-                <a:sym typeface="Arial"/>
-              </a:rPr>
-              <a:t>Creation </a:t>
-            </a:r>
-            <a:r>
-              <a:rPr lang="en-US" b="1" dirty="0">
-                <a:solidFill>
-                  <a:schemeClr val="tx1"/>
-                </a:solidFill>
-                <a:ea typeface="Arial"/>
-                <a:cs typeface="Arial"/>
-                <a:sym typeface="Arial"/>
-              </a:rPr>
-              <a:t>with Programming</a:t>
+              <a:t>Creation with Programming</a:t>
             </a:r>
             <a:endParaRPr lang="en-US" sz="3200" b="0" i="0" u="none" strike="noStrike" cap="none" dirty="0">
               <a:solidFill>
@@ -11358,13 +11295,6 @@
   <p:clrMapOvr>
     <a:masterClrMapping/>
   </p:clrMapOvr>
-  <p:timing>
-    <p:tnLst>
-      <p:par>
-        <p:cTn id="1" dur="indefinite" restart="never" nodeType="tmRoot"/>
-      </p:par>
-    </p:tnLst>
-  </p:timing>
 </p:sld>
 </file>
 
@@ -11414,7 +11344,7 @@
               <a:buSzPct val="25000"/>
             </a:pPr>
             <a:r>
-              <a:rPr lang="en-US" dirty="0" smtClean="0"/>
+              <a:rPr lang="en-US" dirty="0"/>
               <a:t>Class Type Variables</a:t>
             </a:r>
             <a:endParaRPr lang="en-US" sz="4400" b="0" i="0" u="none" strike="noStrike" cap="none" dirty="0">
@@ -11456,34 +11386,34 @@
           <a:p>
             <a:pPr lvl="0" indent="-457200"/>
             <a:r>
-              <a:rPr lang="en-US" sz="2000" dirty="0" smtClean="0">
+              <a:rPr lang="en-US" sz="2000" dirty="0">
                 <a:cs typeface="Courier New" panose="02070309020205020404" pitchFamily="49" charset="0"/>
               </a:rPr>
               <a:t>Class		</a:t>
             </a:r>
             <a:r>
-              <a:rPr lang="en-US" sz="2000" dirty="0" smtClean="0">
+              <a:rPr lang="en-US" sz="2000" dirty="0">
                 <a:latin typeface="Courier New" panose="02070309020205020404" pitchFamily="49" charset="0"/>
                 <a:cs typeface="Courier New" panose="02070309020205020404" pitchFamily="49" charset="0"/>
               </a:rPr>
               <a:t>public </a:t>
             </a:r>
             <a:r>
-              <a:rPr lang="en-US" sz="2000" dirty="0" err="1" smtClean="0">
+              <a:rPr lang="en-US" sz="2000" dirty="0" err="1">
                 <a:latin typeface="Courier New" panose="02070309020205020404" pitchFamily="49" charset="0"/>
                 <a:cs typeface="Courier New" panose="02070309020205020404" pitchFamily="49" charset="0"/>
               </a:rPr>
               <a:t>gameObject</a:t>
             </a:r>
             <a:r>
-              <a:rPr lang="en-US" sz="2000" dirty="0" smtClean="0">
+              <a:rPr lang="en-US" sz="2000" dirty="0">
                 <a:latin typeface="Courier New" panose="02070309020205020404" pitchFamily="49" charset="0"/>
                 <a:cs typeface="Courier New" panose="02070309020205020404" pitchFamily="49" charset="0"/>
               </a:rPr>
               <a:t> bullet;</a:t>
             </a:r>
             <a:r>
-              <a:rPr lang="en-US" sz="2000" dirty="0" smtClean="0">
+              <a:rPr lang="en-US" sz="2000" dirty="0">
                 <a:cs typeface="Courier New" panose="02070309020205020404" pitchFamily="49" charset="0"/>
               </a:rPr>
               <a:t> </a:t>
@@ -11494,7 +11424,7 @@
           </a:p>
           <a:p>
             <a:pPr lvl="0" indent="-457200"/>
-            <a:endParaRPr lang="en-US" sz="1600" dirty="0" smtClean="0">
+            <a:endParaRPr lang="en-US" sz="1600" dirty="0">
               <a:latin typeface="Courier New" panose="02070309020205020404" pitchFamily="49" charset="0"/>
               <a:cs typeface="Courier New" panose="02070309020205020404" pitchFamily="49" charset="0"/>
             </a:endParaRPr>
@@ -11502,7 +11432,7 @@
           <a:p>
             <a:pPr lvl="0" indent="-457200"/>
             <a:r>
-              <a:rPr lang="en-US" sz="1600" dirty="0" smtClean="0">
+              <a:rPr lang="en-US" sz="1600" dirty="0">
                 <a:latin typeface="Courier New" panose="02070309020205020404" pitchFamily="49" charset="0"/>
                 <a:cs typeface="Courier New" panose="02070309020205020404" pitchFamily="49" charset="0"/>
               </a:rPr>
@@ -11512,7 +11442,7 @@
           <a:p>
             <a:pPr lvl="0" indent="-457200"/>
             <a:r>
-              <a:rPr lang="en-US" sz="1600" dirty="0" smtClean="0">
+              <a:rPr lang="en-US" sz="1600" dirty="0">
                 <a:latin typeface="Courier New" panose="02070309020205020404" pitchFamily="49" charset="0"/>
                 <a:cs typeface="Courier New" panose="02070309020205020404" pitchFamily="49" charset="0"/>
               </a:rPr>
@@ -11522,7 +11452,7 @@
           <a:p>
             <a:pPr lvl="0" indent="-457200"/>
             <a:r>
-              <a:rPr lang="en-US" sz="1600" b="0" i="0" u="none" strike="noStrike" cap="none" dirty="0" smtClean="0">
+              <a:rPr lang="en-US" sz="1600" b="0" i="0" u="none" strike="noStrike" cap="none" dirty="0">
                 <a:solidFill>
                   <a:schemeClr val="dk1"/>
                 </a:solidFill>
@@ -11542,7 +11472,7 @@
           </a:p>
           <a:p>
             <a:pPr lvl="0" indent="-457200"/>
-            <a:endParaRPr lang="en-US" sz="2000" b="0" i="0" u="none" strike="noStrike" cap="none" dirty="0" smtClean="0">
+            <a:endParaRPr lang="en-US" sz="2000" b="0" i="0" u="none" strike="noStrike" cap="none" dirty="0">
               <a:solidFill>
                 <a:schemeClr val="dk1"/>
               </a:solidFill>
@@ -11611,13 +11541,6 @@
   <p:clrMapOvr>
     <a:masterClrMapping/>
   </p:clrMapOvr>
-  <p:timing>
-    <p:tnLst>
-      <p:par>
-        <p:cTn id="1" dur="indefinite" restart="never" nodeType="tmRoot"/>
-      </p:par>
-    </p:tnLst>
-  </p:timing>
 </p:sld>
 </file>
 
@@ -11736,31 +11659,13 @@
               <a:buChar char="•"/>
             </a:pPr>
             <a:r>
-              <a:rPr lang="en-US" b="0" i="0" u="none" strike="noStrike" cap="none" dirty="0" smtClean="0">
+              <a:rPr lang="en-US" b="0" i="0" u="none" strike="noStrike" cap="none" dirty="0">
                 <a:solidFill>
                   <a:schemeClr val="dk1"/>
                 </a:solidFill>
                 <a:sym typeface="Calibri"/>
               </a:rPr>
-              <a:t>Comments is text ignored </a:t>
-            </a:r>
-            <a:r>
-              <a:rPr lang="en-US" b="0" i="0" u="none" strike="noStrike" cap="none" dirty="0">
-                <a:solidFill>
-                  <a:schemeClr val="dk1"/>
-                </a:solidFill>
-                <a:sym typeface="Calibri"/>
-              </a:rPr>
-              <a:t>by </a:t>
-            </a:r>
-            <a:r>
-              <a:rPr lang="en-US" b="0" i="0" u="none" strike="noStrike" cap="none" dirty="0" smtClean="0">
-                <a:solidFill>
-                  <a:schemeClr val="dk1"/>
-                </a:solidFill>
-                <a:sym typeface="Calibri"/>
-              </a:rPr>
-              <a:t>the game and compiler</a:t>
+              <a:t>Comments is text ignored by the game and compiler</a:t>
             </a:r>
           </a:p>
           <a:p>
@@ -11800,7 +11705,7 @@
               <a:buNone/>
             </a:pPr>
             <a:r>
-              <a:rPr lang="en-US" b="0" i="0" u="none" strike="noStrike" cap="none" dirty="0" smtClean="0">
+              <a:rPr lang="en-US" b="0" i="0" u="none" strike="noStrike" cap="none" dirty="0">
                 <a:solidFill>
                   <a:schemeClr val="dk1"/>
                 </a:solidFill>
@@ -11852,7 +11757,7 @@
               <a:buNone/>
             </a:pPr>
             <a:r>
-              <a:rPr lang="en-US" b="0" i="0" u="none" strike="noStrike" cap="none" dirty="0" smtClean="0">
+              <a:rPr lang="en-US" b="0" i="0" u="none" strike="noStrike" cap="none" dirty="0">
                 <a:solidFill>
                   <a:schemeClr val="dk1"/>
                 </a:solidFill>
@@ -11881,7 +11786,7 @@
               <a:buNone/>
             </a:pPr>
             <a:r>
-              <a:rPr lang="en-US" b="0" i="0" u="none" strike="noStrike" cap="none" dirty="0" smtClean="0">
+              <a:rPr lang="en-US" b="0" i="0" u="none" strike="noStrike" cap="none" dirty="0">
                 <a:solidFill>
                   <a:schemeClr val="dk1"/>
                 </a:solidFill>
@@ -11910,7 +11815,7 @@
               <a:buNone/>
             </a:pPr>
             <a:r>
-              <a:rPr lang="en-US" b="0" i="0" u="none" strike="noStrike" cap="none" dirty="0" smtClean="0">
+              <a:rPr lang="en-US" b="0" i="0" u="none" strike="noStrike" cap="none" dirty="0">
                 <a:solidFill>
                   <a:schemeClr val="dk1"/>
                 </a:solidFill>
@@ -11939,7 +11844,7 @@
               <a:buNone/>
             </a:pPr>
             <a:r>
-              <a:rPr lang="en-US" b="0" i="0" u="none" strike="noStrike" cap="none" dirty="0" smtClean="0">
+              <a:rPr lang="en-US" b="0" i="0" u="none" strike="noStrike" cap="none" dirty="0">
                 <a:solidFill>
                   <a:schemeClr val="dk1"/>
                 </a:solidFill>
@@ -11949,14 +11854,6 @@
               </a:rPr>
               <a:t>*/</a:t>
             </a:r>
-            <a:endParaRPr lang="en-US" b="0" i="0" u="none" strike="noStrike" cap="none" dirty="0">
-              <a:solidFill>
-                <a:schemeClr val="dk1"/>
-              </a:solidFill>
-              <a:latin typeface="Courier New" panose="02070309020205020404" pitchFamily="49" charset="0"/>
-              <a:cs typeface="Courier New" panose="02070309020205020404" pitchFamily="49" charset="0"/>
-              <a:sym typeface="Calibri"/>
-            </a:endParaRPr>
           </a:p>
           <a:p>
             <a:pPr marL="457200" marR="0" lvl="0" indent="-457200" algn="l" rtl="0">
@@ -12411,7 +12308,7 @@
               <a:buSzPct val="25000"/>
             </a:pPr>
             <a:r>
-              <a:rPr lang="en-US" dirty="0" smtClean="0"/>
+              <a:rPr lang="en-US" dirty="0"/>
               <a:t>Arithmetic (Math) Operators </a:t>
             </a:r>
             <a:endParaRPr lang="en-US" sz="4400" b="0" i="0" u="none" strike="noStrike" cap="none" dirty="0">
@@ -12453,7 +12350,7 @@
           <a:p>
             <a:pPr lvl="0" indent="-457200"/>
             <a:r>
-              <a:rPr lang="en-US" sz="2000" dirty="0" smtClean="0">
+              <a:rPr lang="en-US" sz="2000" dirty="0">
                 <a:cs typeface="Courier New" panose="02070309020205020404" pitchFamily="49" charset="0"/>
               </a:rPr>
               <a:t>+ 	Adds</a:t>
@@ -12462,11 +12359,91 @@
           <a:p>
             <a:pPr lvl="0" indent="-457200"/>
             <a:r>
-              <a:rPr lang="en-US" sz="2000" dirty="0" smtClean="0">
+              <a:rPr lang="en-US" sz="2000" dirty="0">
                 <a:cs typeface="Courier New" panose="02070309020205020404" pitchFamily="49" charset="0"/>
               </a:rPr>
               <a:t>+ 	combines strings </a:t>
             </a:r>
+          </a:p>
+          <a:p>
+            <a:pPr marL="0" lvl="0" indent="0">
+              <a:buNone/>
+            </a:pPr>
+            <a:r>
+              <a:rPr lang="en-US" sz="2000" dirty="0">
+                <a:cs typeface="Courier New" panose="02070309020205020404" pitchFamily="49" charset="0"/>
+              </a:rPr>
+              <a:t>		</a:t>
+            </a:r>
+            <a:r>
+              <a:rPr lang="en-US" sz="2000" dirty="0">
+                <a:latin typeface="Courier New" panose="02070309020205020404" pitchFamily="49" charset="0"/>
+                <a:cs typeface="Courier New" panose="02070309020205020404" pitchFamily="49" charset="0"/>
+              </a:rPr>
+              <a:t>“Hello” + “World”</a:t>
+            </a:r>
+          </a:p>
+          <a:p>
+            <a:pPr lvl="0" indent="-457200"/>
+            <a:r>
+              <a:rPr lang="en-US" sz="2000" dirty="0">
+                <a:cs typeface="Courier New" panose="02070309020205020404" pitchFamily="49" charset="0"/>
+              </a:rPr>
+              <a:t>-	Subtracts</a:t>
+            </a:r>
+          </a:p>
+          <a:p>
+            <a:pPr lvl="0" indent="-457200"/>
+            <a:r>
+              <a:rPr lang="en-US" sz="2000" dirty="0">
+                <a:cs typeface="Courier New" panose="02070309020205020404" pitchFamily="49" charset="0"/>
+              </a:rPr>
+              <a:t>* 	Multiply</a:t>
+            </a:r>
+          </a:p>
+          <a:p>
+            <a:pPr lvl="0" indent="-457200"/>
+            <a:r>
+              <a:rPr lang="en-US" sz="2000" dirty="0">
+                <a:cs typeface="Courier New" panose="02070309020205020404" pitchFamily="49" charset="0"/>
+              </a:rPr>
+              <a:t>/ 	Divides</a:t>
+            </a:r>
+          </a:p>
+          <a:p>
+            <a:pPr lvl="0" indent="-457200"/>
+            <a:r>
+              <a:rPr lang="en-US" sz="2000" dirty="0">
+                <a:cs typeface="Courier New" panose="02070309020205020404" pitchFamily="49" charset="0"/>
+              </a:rPr>
+              <a:t>%	Modulus </a:t>
+            </a:r>
+          </a:p>
+          <a:p>
+            <a:pPr marL="0" lvl="0" indent="0">
+              <a:buNone/>
+            </a:pPr>
+            <a:r>
+              <a:rPr lang="en-US" sz="2000" dirty="0">
+                <a:cs typeface="Courier New" panose="02070309020205020404" pitchFamily="49" charset="0"/>
+              </a:rPr>
+              <a:t>		</a:t>
+            </a:r>
+            <a:r>
+              <a:rPr lang="en-US" sz="2000" i="1" dirty="0">
+                <a:cs typeface="Courier New" panose="02070309020205020404" pitchFamily="49" charset="0"/>
+              </a:rPr>
+              <a:t>Return remainder from integer division </a:t>
+            </a:r>
+            <a:r>
+              <a:rPr lang="en-US" sz="2000" dirty="0">
+                <a:cs typeface="Courier New" panose="02070309020205020404" pitchFamily="49" charset="0"/>
+              </a:rPr>
+              <a:t> </a:t>
+            </a:r>
+            <a:endParaRPr lang="en-US" sz="1600" dirty="0">
+              <a:cs typeface="Courier New" panose="02070309020205020404" pitchFamily="49" charset="0"/>
+            </a:endParaRPr>
           </a:p>
           <a:p>
             <a:pPr marL="0" lvl="0" indent="0">
@@ -12478,99 +12455,7 @@
               </a:rPr>
               <a:t>	</a:t>
             </a:r>
-            <a:r>
-              <a:rPr lang="en-US" sz="2000" dirty="0" smtClean="0">
-                <a:cs typeface="Courier New" panose="02070309020205020404" pitchFamily="49" charset="0"/>
-              </a:rPr>
-              <a:t>	</a:t>
-            </a:r>
-            <a:r>
-              <a:rPr lang="en-US" sz="2000" dirty="0" smtClean="0">
-                <a:latin typeface="Courier New" panose="02070309020205020404" pitchFamily="49" charset="0"/>
-                <a:cs typeface="Courier New" panose="02070309020205020404" pitchFamily="49" charset="0"/>
-              </a:rPr>
-              <a:t>“Hello” + “World”</a:t>
-            </a:r>
-          </a:p>
-          <a:p>
-            <a:pPr lvl="0" indent="-457200"/>
-            <a:r>
-              <a:rPr lang="en-US" sz="2000" dirty="0" smtClean="0">
-                <a:cs typeface="Courier New" panose="02070309020205020404" pitchFamily="49" charset="0"/>
-              </a:rPr>
-              <a:t>-	Subtracts</a:t>
-            </a:r>
-          </a:p>
-          <a:p>
-            <a:pPr lvl="0" indent="-457200"/>
-            <a:r>
-              <a:rPr lang="en-US" sz="2000" dirty="0" smtClean="0">
-                <a:cs typeface="Courier New" panose="02070309020205020404" pitchFamily="49" charset="0"/>
-              </a:rPr>
-              <a:t>* 	Multiply</a:t>
-            </a:r>
-          </a:p>
-          <a:p>
-            <a:pPr lvl="0" indent="-457200"/>
-            <a:r>
-              <a:rPr lang="en-US" sz="2000" dirty="0" smtClean="0">
-                <a:cs typeface="Courier New" panose="02070309020205020404" pitchFamily="49" charset="0"/>
-              </a:rPr>
-              <a:t>/ 	Divides</a:t>
-            </a:r>
-          </a:p>
-          <a:p>
-            <a:pPr lvl="0" indent="-457200"/>
-            <a:r>
-              <a:rPr lang="en-US" sz="2000" dirty="0" smtClean="0">
-                <a:cs typeface="Courier New" panose="02070309020205020404" pitchFamily="49" charset="0"/>
-              </a:rPr>
-              <a:t>%	Modulus </a:t>
-            </a:r>
-          </a:p>
-          <a:p>
-            <a:pPr marL="0" lvl="0" indent="0">
-              <a:buNone/>
-            </a:pPr>
-            <a:r>
-              <a:rPr lang="en-US" sz="2000" dirty="0">
-                <a:cs typeface="Courier New" panose="02070309020205020404" pitchFamily="49" charset="0"/>
-              </a:rPr>
-              <a:t>	</a:t>
-            </a:r>
-            <a:r>
-              <a:rPr lang="en-US" sz="2000" dirty="0" smtClean="0">
-                <a:cs typeface="Courier New" panose="02070309020205020404" pitchFamily="49" charset="0"/>
-              </a:rPr>
-              <a:t>	</a:t>
-            </a:r>
-            <a:r>
-              <a:rPr lang="en-US" sz="2000" i="1" dirty="0" smtClean="0">
-                <a:cs typeface="Courier New" panose="02070309020205020404" pitchFamily="49" charset="0"/>
-              </a:rPr>
-              <a:t>Return remainder from integer division </a:t>
-            </a:r>
-            <a:r>
-              <a:rPr lang="en-US" sz="2000" dirty="0" smtClean="0">
-                <a:cs typeface="Courier New" panose="02070309020205020404" pitchFamily="49" charset="0"/>
-              </a:rPr>
-              <a:t> </a:t>
-            </a:r>
-            <a:endParaRPr lang="en-US" sz="1600" dirty="0" smtClean="0">
-              <a:cs typeface="Courier New" panose="02070309020205020404" pitchFamily="49" charset="0"/>
-            </a:endParaRPr>
-          </a:p>
-          <a:p>
-            <a:pPr marL="0" lvl="0" indent="0">
-              <a:buNone/>
-            </a:pPr>
-            <a:r>
-              <a:rPr lang="en-US" sz="2000" dirty="0" smtClean="0">
-                <a:cs typeface="Courier New" panose="02070309020205020404" pitchFamily="49" charset="0"/>
-              </a:rPr>
-              <a:t>	</a:t>
-            </a:r>
-            <a:endParaRPr lang="en-US" sz="2000" b="0" i="0" u="none" strike="noStrike" cap="none" dirty="0" smtClean="0">
+            <a:endParaRPr lang="en-US" sz="2000" b="0" i="0" u="none" strike="noStrike" cap="none" dirty="0">
               <a:solidFill>
                 <a:schemeClr val="dk1"/>
               </a:solidFill>
@@ -12639,13 +12524,6 @@
   <p:clrMapOvr>
     <a:masterClrMapping/>
   </p:clrMapOvr>
-  <p:timing>
-    <p:tnLst>
-      <p:par>
-        <p:cTn id="1" dur="indefinite" restart="never" nodeType="tmRoot"/>
-      </p:par>
-    </p:tnLst>
-  </p:timing>
 </p:sld>
 </file>
 
@@ -12695,7 +12573,7 @@
               <a:buSzPct val="25000"/>
             </a:pPr>
             <a:r>
-              <a:rPr lang="en-US" dirty="0" smtClean="0"/>
+              <a:rPr lang="en-US" dirty="0"/>
               <a:t>Assignment Operators </a:t>
             </a:r>
             <a:endParaRPr lang="en-US" sz="4400" b="0" i="0" u="none" strike="noStrike" cap="none" dirty="0">
@@ -12737,7 +12615,7 @@
           <a:p>
             <a:pPr lvl="0" indent="-457200"/>
             <a:r>
-              <a:rPr lang="en-US" sz="2000" dirty="0" smtClean="0">
+              <a:rPr lang="en-US" sz="2000" dirty="0">
                 <a:cs typeface="Courier New" panose="02070309020205020404" pitchFamily="49" charset="0"/>
               </a:rPr>
               <a:t>=			Assigns Value</a:t>
@@ -12748,7 +12626,7 @@
               <a:buNone/>
             </a:pPr>
             <a:r>
-              <a:rPr lang="en-US" sz="2000" dirty="0" smtClean="0">
+              <a:rPr lang="en-US" sz="2000" dirty="0">
                 <a:cs typeface="Courier New" panose="02070309020205020404" pitchFamily="49" charset="0"/>
               </a:rPr>
               <a:t>				X  = 1; </a:t>
@@ -12758,14 +12636,14 @@
             <a:pPr marL="0" lvl="0" indent="0">
               <a:buNone/>
             </a:pPr>
-            <a:endParaRPr lang="en-US" sz="800" dirty="0" smtClean="0">
+            <a:endParaRPr lang="en-US" sz="800" dirty="0">
               <a:cs typeface="Courier New" panose="02070309020205020404" pitchFamily="49" charset="0"/>
             </a:endParaRPr>
           </a:p>
           <a:p>
             <a:pPr lvl="0" indent="-457200"/>
             <a:r>
-              <a:rPr lang="en-US" sz="2000" dirty="0" smtClean="0">
+              <a:rPr lang="en-US" sz="2000" dirty="0">
                 <a:cs typeface="Courier New" panose="02070309020205020404" pitchFamily="49" charset="0"/>
               </a:rPr>
               <a:t>+=    -=		Math Operation combined with Assignment	 </a:t>
@@ -12779,45 +12657,32 @@
               <a:rPr lang="en-US" sz="2000" dirty="0">
                 <a:cs typeface="Courier New" panose="02070309020205020404" pitchFamily="49" charset="0"/>
               </a:rPr>
-              <a:t>	</a:t>
-            </a:r>
-            <a:r>
-              <a:rPr lang="en-US" sz="2000" dirty="0" smtClean="0">
-                <a:cs typeface="Courier New" panose="02070309020205020404" pitchFamily="49" charset="0"/>
-              </a:rPr>
-              <a:t>*=    /=		</a:t>
-            </a:r>
-            <a:r>
-              <a:rPr lang="en-US" sz="2000" dirty="0" smtClean="0">
-                <a:latin typeface="Courier New" panose="02070309020205020404" pitchFamily="49" charset="0"/>
-                <a:cs typeface="Courier New" panose="02070309020205020404" pitchFamily="49" charset="0"/>
-              </a:rPr>
-              <a:t>“speed += 5; //is same as </a:t>
-            </a:r>
-          </a:p>
-          <a:p>
-            <a:pPr marL="0" lvl="0" indent="0">
-              <a:buNone/>
-            </a:pPr>
+              <a:t>	*=    /=		</a:t>
+            </a:r>
             <a:r>
               <a:rPr lang="en-US" sz="2000" dirty="0">
                 <a:latin typeface="Courier New" panose="02070309020205020404" pitchFamily="49" charset="0"/>
                 <a:cs typeface="Courier New" panose="02070309020205020404" pitchFamily="49" charset="0"/>
               </a:rPr>
-              <a:t>	</a:t>
-            </a:r>
-            <a:r>
-              <a:rPr lang="en-US" sz="2000" dirty="0" smtClean="0">
+              <a:t>speed += 5; //is same as </a:t>
+            </a:r>
+          </a:p>
+          <a:p>
+            <a:pPr marL="0" lvl="0" indent="0">
+              <a:buNone/>
+            </a:pPr>
+            <a:r>
+              <a:rPr lang="en-US" sz="2000" dirty="0">
                 <a:latin typeface="Courier New" panose="02070309020205020404" pitchFamily="49" charset="0"/>
                 <a:cs typeface="Courier New" panose="02070309020205020404" pitchFamily="49" charset="0"/>
               </a:rPr>
-              <a:t>			“speed = speed +5; World”</a:t>
+              <a:t>				speed = speed + 5;</a:t>
             </a:r>
           </a:p>
           <a:p>
             <a:pPr marL="342900" indent="-342900"/>
             <a:r>
-              <a:rPr lang="en-US" sz="2000" dirty="0" smtClean="0">
+              <a:rPr lang="en-US" sz="2000" dirty="0">
                 <a:latin typeface="Calibri" panose="020F0502020204030204" pitchFamily="34" charset="0"/>
                 <a:cs typeface="Courier New" panose="02070309020205020404" pitchFamily="49" charset="0"/>
               </a:rPr>
@@ -12833,17 +12698,10 @@
                 <a:latin typeface="Calibri" panose="020F0502020204030204" pitchFamily="34" charset="0"/>
                 <a:cs typeface="Courier New" panose="02070309020205020404" pitchFamily="49" charset="0"/>
               </a:rPr>
-              <a:t>	</a:t>
-            </a:r>
-            <a:r>
-              <a:rPr lang="en-US" sz="2000" dirty="0" smtClean="0">
-                <a:latin typeface="Calibri" panose="020F0502020204030204" pitchFamily="34" charset="0"/>
-                <a:cs typeface="Courier New" panose="02070309020205020404" pitchFamily="49" charset="0"/>
-              </a:rPr>
-              <a:t>			</a:t>
-            </a:r>
-            <a:r>
-              <a:rPr lang="en-US" sz="2000" dirty="0" smtClean="0">
+              <a:t>				</a:t>
+            </a:r>
+            <a:r>
+              <a:rPr lang="en-US" sz="2000" dirty="0">
                 <a:latin typeface="Courier New" panose="02070309020205020404" pitchFamily="49" charset="0"/>
                 <a:cs typeface="Courier New" panose="02070309020205020404" pitchFamily="49" charset="0"/>
               </a:rPr>
@@ -12859,14 +12717,7 @@
                 <a:latin typeface="Courier New" panose="02070309020205020404" pitchFamily="49" charset="0"/>
                 <a:cs typeface="Courier New" panose="02070309020205020404" pitchFamily="49" charset="0"/>
               </a:rPr>
-              <a:t>	</a:t>
-            </a:r>
-            <a:r>
-              <a:rPr lang="en-US" sz="2000" dirty="0" smtClean="0">
-                <a:latin typeface="Courier New" panose="02070309020205020404" pitchFamily="49" charset="0"/>
-                <a:cs typeface="Courier New" panose="02070309020205020404" pitchFamily="49" charset="0"/>
-              </a:rPr>
-              <a:t>			X++; </a:t>
+              <a:t>				X++; </a:t>
             </a:r>
           </a:p>
         </p:txBody>
@@ -12929,13 +12780,6 @@
   <p:clrMapOvr>
     <a:masterClrMapping/>
   </p:clrMapOvr>
-  <p:timing>
-    <p:tnLst>
-      <p:par>
-        <p:cTn id="1" dur="indefinite" restart="never" nodeType="tmRoot"/>
-      </p:par>
-    </p:tnLst>
-  </p:timing>
 </p:sld>
 </file>
 
@@ -12993,7 +12837,7 @@
               <a:buNone/>
             </a:pPr>
             <a:r>
-              <a:rPr lang="en-US" sz="4400" b="0" i="0" u="none" strike="noStrike" cap="none" dirty="0" smtClean="0">
+              <a:rPr lang="en-US" sz="4400" b="0" i="0" u="none" strike="noStrike" cap="none" dirty="0">
                 <a:solidFill>
                   <a:schemeClr val="dk1"/>
                 </a:solidFill>
@@ -13004,15 +12848,6 @@
               </a:rPr>
               <a:t>What is a Unity Script</a:t>
             </a:r>
-            <a:endParaRPr lang="en-US" sz="4400" b="0" i="0" u="none" strike="noStrike" cap="none" dirty="0">
-              <a:solidFill>
-                <a:schemeClr val="dk1"/>
-              </a:solidFill>
-              <a:latin typeface="Calibri"/>
-              <a:ea typeface="Calibri"/>
-              <a:cs typeface="Calibri"/>
-              <a:sym typeface="Calibri"/>
-            </a:endParaRPr>
           </a:p>
         </p:txBody>
       </p:sp>
@@ -13053,7 +12888,7 @@
               <a:buChar char="•"/>
             </a:pPr>
             <a:r>
-              <a:rPr lang="en-US" sz="3200" b="0" i="0" u="none" strike="noStrike" cap="none" dirty="0" smtClean="0">
+              <a:rPr lang="en-US" sz="3200" b="0" i="0" u="none" strike="noStrike" cap="none" dirty="0">
                 <a:solidFill>
                   <a:schemeClr val="dk1"/>
                 </a:solidFill>
@@ -13065,7 +12900,7 @@
               <a:t>Scripts are components that contain the logic for a given </a:t>
             </a:r>
             <a:r>
-              <a:rPr lang="en-US" sz="3200" b="0" i="0" u="none" strike="noStrike" cap="none" dirty="0" err="1" smtClean="0">
+              <a:rPr lang="en-US" sz="3200" b="0" i="0" u="none" strike="noStrike" cap="none" dirty="0" err="1">
                 <a:solidFill>
                   <a:schemeClr val="dk1"/>
                 </a:solidFill>
@@ -13077,10 +12912,10 @@
               <a:t>gameO</a:t>
             </a:r>
             <a:r>
-              <a:rPr lang="en-US" dirty="0" err="1" smtClean="0"/>
+              <a:rPr lang="en-US" dirty="0" err="1"/>
               <a:t>bject</a:t>
             </a:r>
-            <a:endParaRPr lang="en-US" dirty="0" smtClean="0"/>
+            <a:endParaRPr lang="en-US" dirty="0"/>
           </a:p>
           <a:p>
             <a:pPr lvl="2" indent="-457200">
@@ -13089,7 +12924,7 @@
               </a:spcBef>
             </a:pPr>
             <a:r>
-              <a:rPr lang="en-US" sz="1600" dirty="0" smtClean="0"/>
+              <a:rPr lang="en-US" sz="1600" dirty="0"/>
               <a:t>The code written is this logic</a:t>
             </a:r>
           </a:p>
@@ -13100,7 +12935,7 @@
               </a:spcBef>
             </a:pPr>
             <a:r>
-              <a:rPr lang="en-US" sz="1600" dirty="0" smtClean="0"/>
+              <a:rPr lang="en-US" sz="1600" dirty="0"/>
               <a:t>Each Script is a C# Class</a:t>
             </a:r>
           </a:p>
@@ -13110,7 +12945,7 @@
                 <a:spcPts val="0"/>
               </a:spcBef>
             </a:pPr>
-            <a:endParaRPr lang="en-US" dirty="0" smtClean="0"/>
+            <a:endParaRPr lang="en-US" dirty="0"/>
           </a:p>
           <a:p>
             <a:pPr marL="457200" marR="0" lvl="0" indent="-457200" algn="l" rtl="0">
@@ -13125,11 +12960,11 @@
               <a:buChar char="•"/>
             </a:pPr>
             <a:r>
-              <a:rPr lang="en-US" dirty="0" smtClean="0"/>
+              <a:rPr lang="en-US" dirty="0"/>
               <a:t>Scripts are written using </a:t>
             </a:r>
             <a:r>
-              <a:rPr lang="en-US" sz="3200" b="0" i="0" u="none" strike="noStrike" cap="none" dirty="0" smtClean="0">
+              <a:rPr lang="en-US" sz="3200" b="0" i="0" u="none" strike="noStrike" cap="none" dirty="0">
                 <a:solidFill>
                   <a:schemeClr val="dk1"/>
                 </a:solidFill>
@@ -13148,11 +12983,11 @@
               </a:spcBef>
             </a:pPr>
             <a:r>
-              <a:rPr lang="en-US" sz="1600" dirty="0" err="1" smtClean="0"/>
+              <a:rPr lang="en-US" sz="1600" dirty="0" err="1"/>
               <a:t>Javascript</a:t>
             </a:r>
             <a:r>
-              <a:rPr lang="en-US" sz="1600" dirty="0" smtClean="0"/>
+              <a:rPr lang="en-US" sz="1600" dirty="0"/>
               <a:t> is now depreciated! Don’t use it.</a:t>
             </a:r>
             <a:endParaRPr lang="en-US" sz="1600" b="0" i="0" u="none" strike="noStrike" cap="none" dirty="0">
@@ -13544,12 +13379,8 @@
               <a:buSzPct val="25000"/>
             </a:pPr>
             <a:r>
-              <a:rPr lang="en-US" dirty="0" smtClean="0"/>
-              <a:t> Breakdown of </a:t>
-            </a:r>
-            <a:r>
               <a:rPr lang="en-US" dirty="0"/>
-              <a:t>a Script</a:t>
+              <a:t> Breakdown of a Script</a:t>
             </a:r>
             <a:endParaRPr lang="en-US" sz="4400" b="0" i="0" u="none" strike="noStrike" cap="none" dirty="0">
               <a:solidFill>
@@ -13600,7 +13431,7 @@
               <a:buChar char="•"/>
             </a:pPr>
             <a:r>
-              <a:rPr lang="en-US" sz="2400" b="0" i="0" u="none" strike="noStrike" cap="none" dirty="0" smtClean="0">
+              <a:rPr lang="en-US" sz="2400" b="0" i="0" u="none" strike="noStrike" cap="none" dirty="0">
                 <a:solidFill>
                   <a:schemeClr val="dk1"/>
                 </a:solidFill>
@@ -13608,7 +13439,7 @@
               </a:rPr>
               <a:t>Using Statements</a:t>
             </a:r>
-            <a:endParaRPr lang="en-US" sz="2400" dirty="0" smtClean="0"/>
+            <a:endParaRPr lang="en-US" sz="2400" dirty="0"/>
           </a:p>
           <a:p>
             <a:pPr lvl="2" indent="-457200">
@@ -13617,7 +13448,7 @@
               </a:spcBef>
             </a:pPr>
             <a:r>
-              <a:rPr lang="en-US" sz="1600" dirty="0" smtClean="0"/>
+              <a:rPr lang="en-US" sz="1600" dirty="0"/>
               <a:t>Makes the code in a C# namespaces visible without having to specific it specifically (aka, makes our life easier!) </a:t>
             </a:r>
           </a:p>
@@ -13628,7 +13459,7 @@
               </a:spcBef>
             </a:pPr>
             <a:r>
-              <a:rPr lang="en-US" sz="1600" dirty="0" smtClean="0"/>
+              <a:rPr lang="en-US" sz="1600" dirty="0"/>
               <a:t>A Namespace in C# is a package of other classes</a:t>
             </a:r>
           </a:p>
@@ -13639,7 +13470,7 @@
               </a:spcBef>
               <a:buNone/>
             </a:pPr>
-            <a:endParaRPr lang="en-US" sz="1600" dirty="0" smtClean="0"/>
+            <a:endParaRPr lang="en-US" sz="1600" dirty="0"/>
           </a:p>
           <a:p>
             <a:pPr lvl="0" indent="-457200">
@@ -13648,7 +13479,7 @@
               </a:spcBef>
             </a:pPr>
             <a:r>
-              <a:rPr lang="en-US" sz="2400" dirty="0" smtClean="0"/>
+              <a:rPr lang="en-US" sz="2400" dirty="0"/>
               <a:t>Namespace Declaration &amp; Content </a:t>
             </a:r>
           </a:p>
@@ -13670,10 +13501,10 @@
               </a:spcBef>
             </a:pPr>
             <a:r>
-              <a:rPr lang="en-US" sz="1600" dirty="0" smtClean="0"/>
+              <a:rPr lang="en-US" sz="1600" dirty="0"/>
               <a:t>Assigns the namespace you code is apart of</a:t>
             </a:r>
-            <a:endParaRPr lang="en-US" sz="1600" b="1" dirty="0" smtClean="0"/>
+            <a:endParaRPr lang="en-US" sz="1600" b="1" dirty="0"/>
           </a:p>
           <a:p>
             <a:pPr lvl="2" indent="-457200">
@@ -13682,7 +13513,7 @@
               </a:spcBef>
             </a:pPr>
             <a:r>
-              <a:rPr lang="en-US" sz="1600" dirty="0" smtClean="0"/>
+              <a:rPr lang="en-US" sz="1600" dirty="0"/>
               <a:t>Namespaces hold classes and used for organization</a:t>
             </a:r>
           </a:p>
@@ -13693,7 +13524,7 @@
               </a:spcBef>
             </a:pPr>
             <a:r>
-              <a:rPr lang="en-US" sz="1600" dirty="0" smtClean="0"/>
+              <a:rPr lang="en-US" sz="1600" dirty="0"/>
               <a:t>Unity and Microsoft has documentation about using Namespaces</a:t>
             </a:r>
           </a:p>
@@ -14228,12 +14059,8 @@
               <a:buSzPct val="25000"/>
             </a:pPr>
             <a:r>
-              <a:rPr lang="en-US" dirty="0" smtClean="0"/>
-              <a:t> Breakdown of </a:t>
-            </a:r>
-            <a:r>
               <a:rPr lang="en-US" dirty="0"/>
-              <a:t>a Script</a:t>
+              <a:t> Breakdown of a Script</a:t>
             </a:r>
             <a:endParaRPr lang="en-US" sz="4400" b="0" i="0" u="none" strike="noStrike" cap="none" dirty="0">
               <a:solidFill>
@@ -14278,12 +14105,8 @@
               </a:spcBef>
             </a:pPr>
             <a:r>
-              <a:rPr lang="en-US" sz="2400" dirty="0" smtClean="0"/>
-              <a:t>Class </a:t>
-            </a:r>
-            <a:r>
               <a:rPr lang="en-US" sz="2400" dirty="0"/>
-              <a:t>Declaration</a:t>
+              <a:t>Class Declaration</a:t>
             </a:r>
           </a:p>
           <a:p>
@@ -14355,7 +14178,7 @@
                 <a:spcPts val="0"/>
               </a:spcBef>
             </a:pPr>
-            <a:endParaRPr lang="en-US" sz="1200" dirty="0" smtClean="0"/>
+            <a:endParaRPr lang="en-US" sz="1200" dirty="0"/>
           </a:p>
           <a:p>
             <a:pPr lvl="0" indent="-457200">
@@ -14376,11 +14199,7 @@
             </a:pPr>
             <a:r>
               <a:rPr lang="en-US" sz="1600" dirty="0"/>
-              <a:t>Contains </a:t>
-            </a:r>
-            <a:r>
-              <a:rPr lang="en-US" sz="1600" dirty="0" smtClean="0"/>
-              <a:t>all Variables </a:t>
+              <a:t>Contains all Variables </a:t>
             </a:r>
           </a:p>
           <a:p>
@@ -14390,12 +14209,8 @@
               </a:spcBef>
             </a:pPr>
             <a:r>
-              <a:rPr lang="en-US" sz="1200" dirty="0" smtClean="0"/>
-              <a:t>Variables are called “Members” </a:t>
-            </a:r>
-            <a:r>
               <a:rPr lang="en-US" sz="1200" dirty="0"/>
-              <a:t>of the class</a:t>
+              <a:t>Variables are called “Members” of the class</a:t>
             </a:r>
           </a:p>
           <a:p>
@@ -14416,18 +14231,9 @@
               </a:spcBef>
             </a:pPr>
             <a:r>
-              <a:rPr lang="en-US" sz="1200" dirty="0" smtClean="0"/>
-              <a:t>Methods are the Functions of </a:t>
-            </a:r>
-            <a:r>
               <a:rPr lang="en-US" sz="1200" dirty="0"/>
-              <a:t>the </a:t>
-            </a:r>
-            <a:r>
-              <a:rPr lang="en-US" sz="1200" dirty="0" smtClean="0"/>
-              <a:t>class</a:t>
-            </a:r>
-            <a:endParaRPr lang="en-US" sz="1200" dirty="0"/>
+              <a:t>Methods are the Functions of the class</a:t>
+            </a:r>
           </a:p>
           <a:p>
             <a:pPr marL="1143000" lvl="3" indent="0">
@@ -15124,7 +14930,7 @@
               <a:buNone/>
             </a:pPr>
             <a:r>
-              <a:rPr lang="en-US" sz="4400" b="0" i="0" u="none" strike="noStrike" cap="none" dirty="0" smtClean="0">
+              <a:rPr lang="en-US" sz="4400" b="0" i="0" u="none" strike="noStrike" cap="none" dirty="0">
                 <a:solidFill>
                   <a:schemeClr val="dk1"/>
                 </a:solidFill>
@@ -15135,15 +14941,6 @@
               </a:rPr>
               <a:t>Primitive Variables Types</a:t>
             </a:r>
-            <a:endParaRPr lang="en-US" sz="4400" b="0" i="0" u="none" strike="noStrike" cap="none" dirty="0">
-              <a:solidFill>
-                <a:schemeClr val="dk1"/>
-              </a:solidFill>
-              <a:latin typeface="Calibri"/>
-              <a:ea typeface="Calibri"/>
-              <a:cs typeface="Calibri"/>
-              <a:sym typeface="Calibri"/>
-            </a:endParaRPr>
           </a:p>
         </p:txBody>
       </p:sp>
@@ -15179,13 +14976,8 @@
             </a:pPr>
             <a:r>
               <a:rPr lang="en-US" sz="2000" dirty="0"/>
-              <a:t>b</a:t>
-            </a:r>
-            <a:r>
-              <a:rPr lang="en-US" sz="2000" dirty="0" smtClean="0"/>
-              <a:t>ool		- TRUE or FALSE</a:t>
-            </a:r>
-            <a:endParaRPr lang="en-US" sz="2000" dirty="0"/>
+              <a:t>bool		- TRUE or FALSE</a:t>
+            </a:r>
           </a:p>
           <a:p>
             <a:pPr marL="457200" marR="0" lvl="0" indent="-457200" algn="l" rtl="0">
@@ -15207,7 +14999,7 @@
               <a:t>i</a:t>
             </a:r>
             <a:r>
-              <a:rPr lang="en-US" sz="2000" b="0" i="0" u="none" strike="noStrike" cap="none" dirty="0" err="1" smtClean="0">
+              <a:rPr lang="en-US" sz="2000" b="0" i="0" u="none" strike="noStrike" cap="none" dirty="0" err="1">
                 <a:solidFill>
                   <a:schemeClr val="dk1"/>
                 </a:solidFill>
@@ -15216,13 +15008,33 @@
               <a:t>nt</a:t>
             </a:r>
             <a:r>
-              <a:rPr lang="en-US" sz="2000" b="0" i="0" u="none" strike="noStrike" cap="none" dirty="0" smtClean="0">
+              <a:rPr lang="en-US" sz="2000" b="0" i="0" u="none" strike="noStrike" cap="none" dirty="0">
                 <a:solidFill>
                   <a:schemeClr val="dk1"/>
                 </a:solidFill>
                 <a:sym typeface="Calibri"/>
               </a:rPr>
               <a:t>			- a whole number, positive, negative and zero</a:t>
+            </a:r>
+          </a:p>
+          <a:p>
+            <a:pPr lvl="0" indent="-457200"/>
+            <a:r>
+              <a:rPr lang="en-US" sz="2000" dirty="0"/>
+              <a:t>f</a:t>
+            </a:r>
+            <a:r>
+              <a:rPr lang="en-US" sz="2000" b="0" i="0" u="none" strike="noStrike" cap="none" dirty="0">
+                <a:solidFill>
+                  <a:schemeClr val="dk1"/>
+                </a:solidFill>
+                <a:sym typeface="Calibri"/>
+              </a:rPr>
+              <a:t>loat		- </a:t>
+            </a:r>
+            <a:r>
+              <a:rPr lang="en-US" sz="2000" dirty="0"/>
+              <a:t>a decimal number, positive, negative and zero</a:t>
             </a:r>
             <a:endParaRPr lang="en-US" sz="2000" b="0" i="0" u="none" strike="noStrike" cap="none" dirty="0">
               <a:solidFill>
@@ -15234,50 +15046,8 @@
           <a:p>
             <a:pPr lvl="0" indent="-457200"/>
             <a:r>
-              <a:rPr lang="en-US" sz="2000" dirty="0" smtClean="0"/>
-              <a:t>f</a:t>
-            </a:r>
-            <a:r>
-              <a:rPr lang="en-US" sz="2000" b="0" i="0" u="none" strike="noStrike" cap="none" dirty="0" smtClean="0">
-                <a:solidFill>
-                  <a:schemeClr val="dk1"/>
-                </a:solidFill>
-                <a:sym typeface="Calibri"/>
-              </a:rPr>
-              <a:t>loat		- </a:t>
-            </a:r>
-            <a:r>
               <a:rPr lang="en-US" sz="2000" dirty="0"/>
-              <a:t>a decimal </a:t>
-            </a:r>
-            <a:r>
-              <a:rPr lang="en-US" sz="2000" dirty="0" smtClean="0"/>
-              <a:t>number, positive</a:t>
-            </a:r>
-            <a:r>
-              <a:rPr lang="en-US" sz="2000" dirty="0"/>
-              <a:t>, negative and zero</a:t>
-            </a:r>
-            <a:endParaRPr lang="en-US" sz="2000" b="0" i="0" u="none" strike="noStrike" cap="none" dirty="0" smtClean="0">
-              <a:solidFill>
-                <a:schemeClr val="dk1"/>
-              </a:solidFill>
-              <a:sym typeface="Calibri"/>
-            </a:endParaRPr>
-          </a:p>
-          <a:p>
-            <a:pPr lvl="0" indent="-457200"/>
-            <a:r>
-              <a:rPr lang="en-US" sz="2000" dirty="0" smtClean="0"/>
-              <a:t>double		- </a:t>
-            </a:r>
-            <a:r>
-              <a:rPr lang="en-US" sz="2000" dirty="0"/>
-              <a:t>a decimal number, positive, negative and </a:t>
-            </a:r>
-            <a:r>
-              <a:rPr lang="en-US" sz="2000" dirty="0" smtClean="0"/>
-              <a:t>zero</a:t>
+              <a:t>double		- a decimal number, positive, negative and zero</a:t>
             </a:r>
           </a:p>
           <a:p>
@@ -15285,7 +15055,7 @@
               <a:buNone/>
             </a:pPr>
             <a:r>
-              <a:rPr lang="en-US" sz="2000" i="1" dirty="0" smtClean="0"/>
+              <a:rPr lang="en-US" sz="2000" i="1" dirty="0"/>
               <a:t>		A double can hold a number twice the size of a float typically. </a:t>
             </a:r>
             <a:endParaRPr lang="en-US" sz="2000" b="0" i="1" u="none" strike="noStrike" cap="none" dirty="0">
@@ -15311,11 +15081,11 @@
               <a:buChar char="•"/>
             </a:pPr>
             <a:r>
-              <a:rPr lang="en-US" sz="2000" dirty="0" smtClean="0"/>
+              <a:rPr lang="en-US" sz="2000" dirty="0"/>
               <a:t>c</a:t>
             </a:r>
             <a:r>
-              <a:rPr lang="en-US" sz="2000" b="0" i="0" u="none" strike="noStrike" cap="none" dirty="0" smtClean="0">
+              <a:rPr lang="en-US" sz="2000" b="0" i="0" u="none" strike="noStrike" cap="none" dirty="0">
                 <a:solidFill>
                   <a:schemeClr val="dk1"/>
                 </a:solidFill>
@@ -15333,17 +15103,13 @@
             </a:pPr>
             <a:r>
               <a:rPr lang="en-US" sz="2000" dirty="0"/>
-              <a:t>	</a:t>
-            </a:r>
-            <a:r>
-              <a:rPr lang="en-US" sz="2000" dirty="0" smtClean="0"/>
-              <a:t>	</a:t>
-            </a:r>
-            <a:r>
-              <a:rPr lang="en-US" sz="2000" i="1" dirty="0" smtClean="0"/>
+              <a:t>		</a:t>
+            </a:r>
+            <a:r>
+              <a:rPr lang="en-US" sz="2000" i="1" dirty="0"/>
               <a:t>Letters, Numbers, and Symbols </a:t>
             </a:r>
-            <a:endParaRPr lang="en-US" sz="2000" b="0" i="1" u="none" strike="noStrike" cap="none" dirty="0" smtClean="0">
+            <a:endParaRPr lang="en-US" sz="2000" b="0" i="1" u="none" strike="noStrike" cap="none" dirty="0">
               <a:solidFill>
                 <a:schemeClr val="dk1"/>
               </a:solidFill>
@@ -15370,7 +15136,7 @@
               <a:t>s</a:t>
             </a:r>
             <a:r>
-              <a:rPr lang="en-US" sz="2000" b="0" i="0" u="none" strike="noStrike" cap="none" dirty="0" smtClean="0">
+              <a:rPr lang="en-US" sz="2000" b="0" i="0" u="none" strike="noStrike" cap="none" dirty="0">
                 <a:solidFill>
                   <a:schemeClr val="dk1"/>
                 </a:solidFill>
@@ -15378,12 +15144,6 @@
               </a:rPr>
               <a:t>tring		- a set of characters, for example words. 	</a:t>
             </a:r>
-            <a:endParaRPr lang="en-US" sz="2000" b="0" i="0" u="none" strike="noStrike" cap="none" dirty="0">
-              <a:solidFill>
-                <a:schemeClr val="dk1"/>
-              </a:solidFill>
-              <a:sym typeface="Calibri"/>
-            </a:endParaRPr>
           </a:p>
         </p:txBody>
       </p:sp>
@@ -15440,13 +15200,6 @@
   <p:clrMapOvr>
     <a:masterClrMapping/>
   </p:clrMapOvr>
-  <p:timing>
-    <p:tnLst>
-      <p:par>
-        <p:cTn id="1" dur="indefinite" restart="never" nodeType="tmRoot"/>
-      </p:par>
-    </p:tnLst>
-  </p:timing>
 </p:sld>
 </file>
 
@@ -15543,23 +15296,15 @@
             </a:pPr>
             <a:r>
               <a:rPr lang="en-US" sz="2000" dirty="0"/>
-              <a:t>b</a:t>
-            </a:r>
-            <a:r>
-              <a:rPr lang="en-US" sz="2000" dirty="0" smtClean="0"/>
-              <a:t>ool		</a:t>
-            </a:r>
-            <a:r>
-              <a:rPr lang="en-US" sz="2000" dirty="0" smtClean="0">
+              <a:t>bool		</a:t>
+            </a:r>
+            <a:r>
+              <a:rPr lang="en-US" sz="2000" dirty="0">
                 <a:latin typeface="Courier New" panose="02070309020205020404" pitchFamily="49" charset="0"/>
                 <a:cs typeface="Courier New" panose="02070309020205020404" pitchFamily="49" charset="0"/>
               </a:rPr>
               <a:t>true 	false</a:t>
             </a:r>
-            <a:endParaRPr lang="en-US" sz="2000" dirty="0">
-              <a:latin typeface="Courier New" panose="02070309020205020404" pitchFamily="49" charset="0"/>
-              <a:cs typeface="Courier New" panose="02070309020205020404" pitchFamily="49" charset="0"/>
-            </a:endParaRPr>
           </a:p>
           <a:p>
             <a:pPr marL="457200" marR="0" lvl="0" indent="-457200" algn="l" rtl="0">
@@ -15581,7 +15326,7 @@
               <a:t>i</a:t>
             </a:r>
             <a:r>
-              <a:rPr lang="en-US" sz="2000" b="0" i="0" u="none" strike="noStrike" cap="none" dirty="0" err="1" smtClean="0">
+              <a:rPr lang="en-US" sz="2000" b="0" i="0" u="none" strike="noStrike" cap="none" dirty="0" err="1">
                 <a:solidFill>
                   <a:schemeClr val="dk1"/>
                 </a:solidFill>
@@ -15590,7 +15335,7 @@
               <a:t>nt</a:t>
             </a:r>
             <a:r>
-              <a:rPr lang="en-US" sz="2000" b="0" i="0" u="none" strike="noStrike" cap="none" dirty="0" smtClean="0">
+              <a:rPr lang="en-US" sz="2000" b="0" i="0" u="none" strike="noStrike" cap="none" dirty="0">
                 <a:solidFill>
                   <a:schemeClr val="dk1"/>
                 </a:solidFill>
@@ -15599,7 +15344,7 @@
               <a:t>			</a:t>
             </a:r>
             <a:r>
-              <a:rPr lang="en-US" sz="2000" b="0" i="0" u="none" strike="noStrike" cap="none" dirty="0" smtClean="0">
+              <a:rPr lang="en-US" sz="2000" b="0" i="0" u="none" strike="noStrike" cap="none" dirty="0">
                 <a:solidFill>
                   <a:schemeClr val="dk1"/>
                 </a:solidFill>
@@ -15610,14 +15355,14 @@
               <a:t>0		1</a:t>
             </a:r>
             <a:r>
-              <a:rPr lang="en-US" sz="2000" dirty="0" smtClean="0">
+              <a:rPr lang="en-US" sz="2000" dirty="0">
                 <a:latin typeface="Courier New" panose="02070309020205020404" pitchFamily="49" charset="0"/>
                 <a:cs typeface="Courier New" panose="02070309020205020404" pitchFamily="49" charset="0"/>
               </a:rPr>
               <a:t> 		</a:t>
             </a:r>
             <a:r>
-              <a:rPr lang="en-US" sz="2000" b="0" i="0" u="none" strike="noStrike" cap="none" dirty="0" smtClean="0">
+              <a:rPr lang="en-US" sz="2000" b="0" i="0" u="none" strike="noStrike" cap="none" dirty="0">
                 <a:solidFill>
                   <a:schemeClr val="dk1"/>
                 </a:solidFill>
@@ -15635,65 +15380,15 @@
               </a:spcBef>
             </a:pPr>
             <a:r>
-              <a:rPr lang="en-US" sz="2000" dirty="0" smtClean="0"/>
-              <a:t>double	</a:t>
-            </a:r>
-            <a:r>
               <a:rPr lang="en-US" sz="2000" dirty="0"/>
-              <a:t> </a:t>
-            </a:r>
-            <a:r>
-              <a:rPr lang="en-US" sz="2000" dirty="0" smtClean="0"/>
-              <a:t>	</a:t>
-            </a:r>
-            <a:r>
-              <a:rPr lang="en-US" sz="2000" dirty="0" smtClean="0">
-                <a:latin typeface="Courier New" panose="02070309020205020404" pitchFamily="49" charset="0"/>
-                <a:cs typeface="Courier New" panose="02070309020205020404" pitchFamily="49" charset="0"/>
-              </a:rPr>
-              <a:t>0.0</a:t>
+              <a:t>double	 	</a:t>
             </a:r>
             <a:r>
               <a:rPr lang="en-US" sz="2000" dirty="0">
                 <a:latin typeface="Courier New" panose="02070309020205020404" pitchFamily="49" charset="0"/>
                 <a:cs typeface="Courier New" panose="02070309020205020404" pitchFamily="49" charset="0"/>
               </a:rPr>
-              <a:t>	</a:t>
-            </a:r>
-            <a:r>
-              <a:rPr lang="en-US" sz="2000" dirty="0" smtClean="0">
-                <a:latin typeface="Courier New" panose="02070309020205020404" pitchFamily="49" charset="0"/>
-                <a:cs typeface="Courier New" panose="02070309020205020404" pitchFamily="49" charset="0"/>
-              </a:rPr>
-              <a:t>1.5</a:t>
-            </a:r>
-            <a:r>
-              <a:rPr lang="en-US" sz="2000" dirty="0">
-                <a:latin typeface="Courier New" panose="02070309020205020404" pitchFamily="49" charset="0"/>
-                <a:cs typeface="Courier New" panose="02070309020205020404" pitchFamily="49" charset="0"/>
-              </a:rPr>
-              <a:t>	</a:t>
-            </a:r>
-            <a:r>
-              <a:rPr lang="en-US" sz="2000" dirty="0" smtClean="0">
-                <a:latin typeface="Courier New" panose="02070309020205020404" pitchFamily="49" charset="0"/>
-                <a:cs typeface="Courier New" panose="02070309020205020404" pitchFamily="49" charset="0"/>
-              </a:rPr>
-              <a:t>3.14	-.25</a:t>
-            </a:r>
-            <a:r>
-              <a:rPr lang="en-US" sz="2000" dirty="0">
-                <a:latin typeface="Courier New" panose="02070309020205020404" pitchFamily="49" charset="0"/>
-                <a:cs typeface="Courier New" panose="02070309020205020404" pitchFamily="49" charset="0"/>
-              </a:rPr>
-              <a:t>	</a:t>
-            </a:r>
-            <a:r>
-              <a:rPr lang="en-US" sz="2000" dirty="0" smtClean="0">
-                <a:latin typeface="Courier New" panose="02070309020205020404" pitchFamily="49" charset="0"/>
-                <a:cs typeface="Courier New" panose="02070309020205020404" pitchFamily="49" charset="0"/>
-              </a:rPr>
-              <a:t>-9.001 </a:t>
+              <a:t>0.0	1.5	3.14	-.25	-9.001 </a:t>
             </a:r>
             <a:endParaRPr lang="en-US" sz="2000" b="0" i="0" u="none" strike="noStrike" cap="none" dirty="0">
               <a:solidFill>
@@ -15707,11 +15402,11 @@
           <a:p>
             <a:pPr lvl="0" indent="-457200"/>
             <a:r>
-              <a:rPr lang="en-US" sz="2000" dirty="0" smtClean="0"/>
+              <a:rPr lang="en-US" sz="2000" dirty="0"/>
               <a:t>f</a:t>
             </a:r>
             <a:r>
-              <a:rPr lang="en-US" sz="2000" b="0" i="0" u="none" strike="noStrike" cap="none" dirty="0" smtClean="0">
+              <a:rPr lang="en-US" sz="2000" b="0" i="0" u="none" strike="noStrike" cap="none" dirty="0">
                 <a:solidFill>
                   <a:schemeClr val="dk1"/>
                 </a:solidFill>
@@ -15720,7 +15415,7 @@
               <a:t>loat		</a:t>
             </a:r>
             <a:r>
-              <a:rPr lang="en-US" sz="2000" b="0" i="0" u="none" strike="noStrike" cap="none" dirty="0" smtClean="0">
+              <a:rPr lang="en-US" sz="2000" b="0" i="0" u="none" strike="noStrike" cap="none" dirty="0">
                 <a:solidFill>
                   <a:schemeClr val="dk1"/>
                 </a:solidFill>
@@ -15736,10 +15431,10 @@
               <a:buNone/>
             </a:pPr>
             <a:r>
-              <a:rPr lang="en-US" sz="1600" dirty="0" smtClean="0"/>
+              <a:rPr lang="en-US" sz="1600" dirty="0"/>
               <a:t>		Note the use of “f” to separate floats from doubles </a:t>
             </a:r>
-            <a:endParaRPr lang="en-US" sz="1600" b="0" i="0" u="none" strike="noStrike" cap="none" dirty="0" smtClean="0">
+            <a:endParaRPr lang="en-US" sz="1600" b="0" i="0" u="none" strike="noStrike" cap="none" dirty="0">
               <a:solidFill>
                 <a:schemeClr val="dk1"/>
               </a:solidFill>
@@ -15749,11 +15444,11 @@
           <a:p>
             <a:pPr lvl="0" indent="-457200"/>
             <a:r>
-              <a:rPr lang="en-US" sz="2000" dirty="0" smtClean="0"/>
+              <a:rPr lang="en-US" sz="2000" dirty="0"/>
               <a:t>c</a:t>
             </a:r>
             <a:r>
-              <a:rPr lang="en-US" sz="2000" b="0" i="0" u="none" strike="noStrike" cap="none" dirty="0" smtClean="0">
+              <a:rPr lang="en-US" sz="2000" b="0" i="0" u="none" strike="noStrike" cap="none" dirty="0">
                 <a:solidFill>
                   <a:schemeClr val="dk1"/>
                 </a:solidFill>
@@ -15762,7 +15457,7 @@
               <a:t>har			</a:t>
             </a:r>
             <a:r>
-              <a:rPr lang="en-US" sz="2000" b="0" i="0" u="none" strike="noStrike" cap="none" dirty="0" smtClean="0">
+              <a:rPr lang="en-US" sz="2000" b="0" i="0" u="none" strike="noStrike" cap="none" dirty="0">
                 <a:solidFill>
                   <a:schemeClr val="dk1"/>
                 </a:solidFill>
@@ -15773,41 +15468,13 @@
               <a:t>‘a’	</a:t>
             </a:r>
             <a:r>
-              <a:rPr lang="en-US" sz="2000" dirty="0" smtClean="0">
-                <a:latin typeface="Courier New" panose="02070309020205020404" pitchFamily="49" charset="0"/>
-                <a:cs typeface="Courier New" panose="02070309020205020404" pitchFamily="49" charset="0"/>
-              </a:rPr>
-              <a:t>‘</a:t>
-            </a:r>
-            <a:r>
               <a:rPr lang="en-US" sz="2000" dirty="0">
                 <a:latin typeface="Courier New" panose="02070309020205020404" pitchFamily="49" charset="0"/>
                 <a:cs typeface="Courier New" panose="02070309020205020404" pitchFamily="49" charset="0"/>
               </a:rPr>
-              <a:t>A’	</a:t>
-            </a:r>
-            <a:r>
-              <a:rPr lang="en-US" sz="2000" dirty="0" smtClean="0">
-                <a:latin typeface="Courier New" panose="02070309020205020404" pitchFamily="49" charset="0"/>
-                <a:cs typeface="Courier New" panose="02070309020205020404" pitchFamily="49" charset="0"/>
-              </a:rPr>
-              <a:t>‘</a:t>
-            </a:r>
-            <a:r>
-              <a:rPr lang="en-US" sz="2000" dirty="0">
-                <a:latin typeface="Courier New" panose="02070309020205020404" pitchFamily="49" charset="0"/>
-                <a:cs typeface="Courier New" panose="02070309020205020404" pitchFamily="49" charset="0"/>
-              </a:rPr>
-              <a:t>5</a:t>
-            </a:r>
-            <a:r>
-              <a:rPr lang="en-US" sz="2000" dirty="0" smtClean="0">
-                <a:latin typeface="Courier New" panose="02070309020205020404" pitchFamily="49" charset="0"/>
-                <a:cs typeface="Courier New" panose="02070309020205020404" pitchFamily="49" charset="0"/>
-              </a:rPr>
-              <a:t>’	‘@’	‘\n’</a:t>
-            </a:r>
-            <a:endParaRPr lang="en-US" sz="2000" b="0" i="0" u="none" strike="noStrike" cap="none" dirty="0" smtClean="0">
+              <a:t>‘A’	‘5’	‘@’	‘\n’</a:t>
+            </a:r>
+            <a:endParaRPr lang="en-US" sz="2000" b="0" i="0" u="none" strike="noStrike" cap="none" dirty="0">
               <a:solidFill>
                 <a:schemeClr val="dk1"/>
               </a:solidFill>
@@ -15825,13 +15492,9 @@
             </a:pPr>
             <a:r>
               <a:rPr lang="en-US" sz="2000" dirty="0"/>
-              <a:t>	</a:t>
-            </a:r>
-            <a:r>
-              <a:rPr lang="en-US" sz="2000" dirty="0" smtClean="0"/>
-              <a:t>	Note use of single quotes to determine a character</a:t>
-            </a:r>
-            <a:endParaRPr lang="en-US" sz="2000" b="0" i="1" u="none" strike="noStrike" cap="none" dirty="0" smtClean="0">
+              <a:t>		Note use of single quotes to determine a character</a:t>
+            </a:r>
+            <a:endParaRPr lang="en-US" sz="2000" b="0" i="1" u="none" strike="noStrike" cap="none" dirty="0">
               <a:solidFill>
                 <a:schemeClr val="dk1"/>
               </a:solidFill>
@@ -15858,7 +15521,7 @@
               <a:t>s</a:t>
             </a:r>
             <a:r>
-              <a:rPr lang="en-US" sz="2000" b="0" i="0" u="none" strike="noStrike" cap="none" dirty="0" smtClean="0">
+              <a:rPr lang="en-US" sz="2000" b="0" i="0" u="none" strike="noStrike" cap="none" dirty="0">
                 <a:solidFill>
                   <a:schemeClr val="dk1"/>
                 </a:solidFill>
@@ -15867,7 +15530,7 @@
               <a:t>tring		</a:t>
             </a:r>
             <a:r>
-              <a:rPr lang="en-US" sz="2000" b="0" i="0" u="none" strike="noStrike" cap="none" dirty="0" smtClean="0">
+              <a:rPr lang="en-US" sz="2000" b="0" i="0" u="none" strike="noStrike" cap="none" dirty="0">
                 <a:solidFill>
                   <a:schemeClr val="dk1"/>
                 </a:solidFill>
@@ -15883,20 +15546,13 @@
               <a:buNone/>
             </a:pPr>
             <a:r>
-              <a:rPr lang="en-US" sz="2000" dirty="0" smtClean="0">
-                <a:latin typeface="Courier New" panose="02070309020205020404" pitchFamily="49" charset="0"/>
-                <a:cs typeface="Courier New" panose="02070309020205020404" pitchFamily="49" charset="0"/>
-              </a:rPr>
-              <a:t>				“</a:t>
-            </a:r>
-            <a:r>
               <a:rPr lang="en-US" sz="2000" dirty="0">
                 <a:latin typeface="Courier New" panose="02070309020205020404" pitchFamily="49" charset="0"/>
                 <a:cs typeface="Courier New" panose="02070309020205020404" pitchFamily="49" charset="0"/>
               </a:rPr>
-              <a:t>https://www.nhti.edu”</a:t>
-            </a:r>
-            <a:endParaRPr lang="en-US" sz="2000" b="0" i="0" u="none" strike="noStrike" cap="none" dirty="0" smtClean="0">
+              <a:t>				“https://www.nhti.edu”</a:t>
+            </a:r>
+            <a:endParaRPr lang="en-US" sz="2000" b="0" i="0" u="none" strike="noStrike" cap="none" dirty="0">
               <a:solidFill>
                 <a:schemeClr val="dk1"/>
               </a:solidFill>
@@ -15914,11 +15570,11 @@
               <a:buChar char="•"/>
             </a:pPr>
             <a:r>
-              <a:rPr lang="en-US" sz="1600" dirty="0" smtClean="0"/>
+              <a:rPr lang="en-US" sz="1600" dirty="0"/>
               <a:t>Note use off the double quotes “ to indicated a string</a:t>
             </a:r>
             <a:r>
-              <a:rPr lang="en-US" sz="1600" b="0" i="0" u="none" strike="noStrike" cap="none" dirty="0" smtClean="0">
+              <a:rPr lang="en-US" sz="1600" b="0" i="0" u="none" strike="noStrike" cap="none" dirty="0">
                 <a:solidFill>
                   <a:schemeClr val="dk1"/>
                 </a:solidFill>
@@ -15926,12 +15582,6 @@
               </a:rPr>
               <a:t>	</a:t>
             </a:r>
-            <a:endParaRPr lang="en-US" sz="1600" b="0" i="0" u="none" strike="noStrike" cap="none" dirty="0">
-              <a:solidFill>
-                <a:schemeClr val="dk1"/>
-              </a:solidFill>
-              <a:sym typeface="Calibri"/>
-            </a:endParaRPr>
           </a:p>
         </p:txBody>
       </p:sp>
@@ -15993,13 +15643,6 @@
   <p:clrMapOvr>
     <a:masterClrMapping/>
   </p:clrMapOvr>
-  <p:timing>
-    <p:tnLst>
-      <p:par>
-        <p:cTn id="1" dur="indefinite" restart="never" nodeType="tmRoot"/>
-      </p:par>
-    </p:tnLst>
-  </p:timing>
 </p:sld>
 </file>
 
@@ -16057,7 +15700,7 @@
               <a:buNone/>
             </a:pPr>
             <a:r>
-              <a:rPr lang="en-US" sz="4400" b="0" i="0" u="none" strike="noStrike" cap="none" dirty="0" smtClean="0">
+              <a:rPr lang="en-US" sz="4400" b="0" i="0" u="none" strike="noStrike" cap="none" dirty="0">
                 <a:solidFill>
                   <a:schemeClr val="dk1"/>
                 </a:solidFill>
@@ -16073,7 +15716,7 @@
               <a:t>A</a:t>
             </a:r>
             <a:r>
-              <a:rPr lang="en-US" sz="4400" b="0" i="0" u="none" strike="noStrike" cap="none" dirty="0" smtClean="0">
+              <a:rPr lang="en-US" sz="4400" b="0" i="0" u="none" strike="noStrike" cap="none" dirty="0">
                 <a:solidFill>
                   <a:schemeClr val="dk1"/>
                 </a:solidFill>
@@ -16084,15 +15727,6 @@
               </a:rPr>
               <a:t> Variable Example</a:t>
             </a:r>
-            <a:endParaRPr lang="en-US" sz="4400" b="0" i="0" u="none" strike="noStrike" cap="none" dirty="0">
-              <a:solidFill>
-                <a:schemeClr val="dk1"/>
-              </a:solidFill>
-              <a:latin typeface="Calibri"/>
-              <a:ea typeface="Calibri"/>
-              <a:cs typeface="Calibri"/>
-              <a:sym typeface="Calibri"/>
-            </a:endParaRPr>
           </a:p>
         </p:txBody>
       </p:sp>
@@ -16128,14 +15762,14 @@
               <a:buNone/>
             </a:pPr>
             <a:r>
-              <a:rPr lang="en-US" sz="2000" dirty="0" smtClean="0">
+              <a:rPr lang="en-US" sz="2000" dirty="0">
                 <a:latin typeface="Courier New" panose="02070309020205020404" pitchFamily="49" charset="0"/>
                 <a:cs typeface="Courier New" panose="02070309020205020404" pitchFamily="49" charset="0"/>
               </a:rPr>
               <a:t>p</a:t>
             </a:r>
             <a:r>
-              <a:rPr lang="en-US" sz="2000" b="0" i="0" u="none" strike="noStrike" cap="none" dirty="0" smtClean="0">
+              <a:rPr lang="en-US" sz="2000" b="0" i="0" u="none" strike="noStrike" cap="none" dirty="0">
                 <a:solidFill>
                   <a:schemeClr val="dk1"/>
                 </a:solidFill>
@@ -16146,7 +15780,7 @@
               <a:t>rivate </a:t>
             </a:r>
             <a:r>
-              <a:rPr lang="en-US" sz="2000" b="0" i="0" u="none" strike="noStrike" cap="none" dirty="0" err="1" smtClean="0">
+              <a:rPr lang="en-US" sz="2000" b="0" i="0" u="none" strike="noStrike" cap="none" dirty="0" err="1">
                 <a:solidFill>
                   <a:schemeClr val="dk1"/>
                 </a:solidFill>
@@ -16157,7 +15791,7 @@
               <a:t>int</a:t>
             </a:r>
             <a:r>
-              <a:rPr lang="en-US" sz="2000" b="0" i="0" u="none" strike="noStrike" cap="none" dirty="0" smtClean="0">
+              <a:rPr lang="en-US" sz="2000" b="0" i="0" u="none" strike="noStrike" cap="none" dirty="0">
                 <a:solidFill>
                   <a:schemeClr val="dk1"/>
                 </a:solidFill>
@@ -16168,14 +15802,14 @@
               <a:t> </a:t>
             </a:r>
             <a:r>
-              <a:rPr lang="en-US" sz="2000" dirty="0" err="1" smtClean="0">
+              <a:rPr lang="en-US" sz="2000" dirty="0" err="1">
                 <a:latin typeface="Courier New" panose="02070309020205020404" pitchFamily="49" charset="0"/>
                 <a:cs typeface="Courier New" panose="02070309020205020404" pitchFamily="49" charset="0"/>
               </a:rPr>
               <a:t>AmmoCount</a:t>
             </a:r>
             <a:r>
-              <a:rPr lang="en-US" sz="2000" b="0" i="0" u="none" strike="noStrike" cap="none" dirty="0" smtClean="0">
+              <a:rPr lang="en-US" sz="2000" b="0" i="0" u="none" strike="noStrike" cap="none" dirty="0">
                 <a:solidFill>
                   <a:schemeClr val="dk1"/>
                 </a:solidFill>
@@ -16193,7 +15827,7 @@
               </a:spcBef>
               <a:buNone/>
             </a:pPr>
-            <a:endParaRPr lang="en-US" sz="2000" b="0" i="0" u="none" strike="noStrike" cap="none" dirty="0" smtClean="0">
+            <a:endParaRPr lang="en-US" sz="2000" b="0" i="0" u="none" strike="noStrike" cap="none" dirty="0">
               <a:solidFill>
                 <a:schemeClr val="dk1"/>
               </a:solidFill>
@@ -16209,7 +15843,7 @@
               </a:spcBef>
             </a:pPr>
             <a:r>
-              <a:rPr lang="en-US" sz="2000" b="0" i="0" u="none" strike="noStrike" cap="none" dirty="0" smtClean="0">
+              <a:rPr lang="en-US" sz="2000" b="0" i="0" u="none" strike="noStrike" cap="none" dirty="0">
                 <a:solidFill>
                   <a:schemeClr val="dk1"/>
                 </a:solidFill>
@@ -16218,7 +15852,7 @@
               <a:t>Accessibility Level				</a:t>
             </a:r>
             <a:r>
-              <a:rPr lang="en-US" sz="2000" dirty="0" smtClean="0">
+              <a:rPr lang="en-US" sz="2000" dirty="0">
                 <a:latin typeface="Courier New" panose="02070309020205020404" pitchFamily="49" charset="0"/>
                 <a:cs typeface="Courier New" panose="02070309020205020404" pitchFamily="49" charset="0"/>
               </a:rPr>
@@ -16228,7 +15862,7 @@
           <a:p>
             <a:pPr lvl="0" indent="-457200"/>
             <a:r>
-              <a:rPr lang="en-US" sz="2000" b="0" i="0" u="none" strike="noStrike" cap="none" dirty="0" smtClean="0">
+              <a:rPr lang="en-US" sz="2000" b="0" i="0" u="none" strike="noStrike" cap="none" dirty="0">
                 <a:solidFill>
                   <a:schemeClr val="dk1"/>
                 </a:solidFill>
@@ -16237,14 +15871,14 @@
               <a:t>Type							</a:t>
             </a:r>
             <a:r>
-              <a:rPr lang="en-US" sz="2000" dirty="0" err="1" smtClean="0">
+              <a:rPr lang="en-US" sz="2000" dirty="0" err="1">
                 <a:latin typeface="Courier New" panose="02070309020205020404" pitchFamily="49" charset="0"/>
                 <a:cs typeface="Courier New" panose="02070309020205020404" pitchFamily="49" charset="0"/>
               </a:rPr>
               <a:t>int</a:t>
             </a:r>
             <a:r>
-              <a:rPr lang="en-US" sz="2000" dirty="0" smtClean="0">
+              <a:rPr lang="en-US" sz="2000" dirty="0">
                 <a:latin typeface="Courier New" panose="02070309020205020404" pitchFamily="49" charset="0"/>
                 <a:cs typeface="Courier New" panose="02070309020205020404" pitchFamily="49" charset="0"/>
               </a:rPr>
@@ -16260,7 +15894,7 @@
           <a:p>
             <a:pPr lvl="0" indent="-457200"/>
             <a:r>
-              <a:rPr lang="en-US" sz="2000" b="0" i="0" u="none" strike="noStrike" cap="none" dirty="0" smtClean="0">
+              <a:rPr lang="en-US" sz="2000" b="0" i="0" u="none" strike="noStrike" cap="none" dirty="0">
                 <a:solidFill>
                   <a:schemeClr val="dk1"/>
                 </a:solidFill>
@@ -16269,13 +15903,13 @@
               <a:t>Name							</a:t>
             </a:r>
             <a:r>
-              <a:rPr lang="en-US" sz="2000" dirty="0" err="1" smtClean="0">
+              <a:rPr lang="en-US" sz="2000" dirty="0" err="1">
                 <a:latin typeface="Courier New" panose="02070309020205020404" pitchFamily="49" charset="0"/>
                 <a:cs typeface="Courier New" panose="02070309020205020404" pitchFamily="49" charset="0"/>
               </a:rPr>
               <a:t>AmmoCount</a:t>
             </a:r>
-            <a:endParaRPr lang="en-US" sz="2000" b="0" i="0" u="none" strike="noStrike" cap="none" dirty="0" smtClean="0">
+            <a:endParaRPr lang="en-US" sz="2000" b="0" i="0" u="none" strike="noStrike" cap="none" dirty="0">
               <a:solidFill>
                 <a:schemeClr val="dk1"/>
               </a:solidFill>
@@ -16285,7 +15919,7 @@
           <a:p>
             <a:pPr lvl="0" indent="-457200"/>
             <a:r>
-              <a:rPr lang="en-US" sz="2000" b="0" i="0" u="none" strike="noStrike" cap="none" dirty="0" smtClean="0">
+              <a:rPr lang="en-US" sz="2000" b="0" i="0" u="none" strike="noStrike" cap="none" dirty="0">
                 <a:solidFill>
                   <a:schemeClr val="dk1"/>
                 </a:solidFill>
@@ -16294,7 +15928,7 @@
               <a:t>Value	(and assignment)			</a:t>
             </a:r>
             <a:r>
-              <a:rPr lang="en-US" sz="2000" dirty="0" smtClean="0">
+              <a:rPr lang="en-US" sz="2000" dirty="0">
                 <a:latin typeface="Courier New" panose="02070309020205020404" pitchFamily="49" charset="0"/>
                 <a:cs typeface="Courier New" panose="02070309020205020404" pitchFamily="49" charset="0"/>
               </a:rPr>
@@ -16304,7 +15938,7 @@
           <a:p>
             <a:pPr lvl="0" indent="-457200"/>
             <a:r>
-              <a:rPr lang="en-US" sz="2000" dirty="0" smtClean="0"/>
+              <a:rPr lang="en-US" sz="2000" dirty="0"/>
               <a:t>Line Termination					;</a:t>
             </a:r>
             <a:endParaRPr lang="en-US" sz="2000" b="0" i="0" u="none" strike="noStrike" cap="none" dirty="0">
@@ -16743,11 +16377,7 @@
             </a:pPr>
             <a:r>
               <a:rPr lang="en-US" dirty="0"/>
-              <a:t>Accessibility </a:t>
-            </a:r>
-            <a:r>
-              <a:rPr lang="en-US" dirty="0" smtClean="0"/>
-              <a:t>Levels</a:t>
+              <a:t>Accessibility Levels</a:t>
             </a:r>
             <a:endParaRPr lang="en-US" sz="4400" b="0" i="0" u="none" strike="noStrike" cap="none" dirty="0">
               <a:solidFill>
@@ -16792,7 +16422,7 @@
               </a:spcBef>
             </a:pPr>
             <a:r>
-              <a:rPr lang="en-US" sz="2000" dirty="0" smtClean="0"/>
+              <a:rPr lang="en-US" sz="2000" dirty="0"/>
               <a:t>Private	</a:t>
             </a:r>
           </a:p>
@@ -16803,7 +16433,7 @@
               </a:spcBef>
             </a:pPr>
             <a:r>
-              <a:rPr lang="en-US" sz="1600" dirty="0" smtClean="0"/>
+              <a:rPr lang="en-US" sz="1600" dirty="0"/>
               <a:t>Variable is only accessible to the class it exists in</a:t>
             </a:r>
           </a:p>
@@ -16814,7 +16444,7 @@
               </a:spcBef>
             </a:pPr>
             <a:r>
-              <a:rPr lang="en-US" sz="1600" dirty="0" smtClean="0"/>
+              <a:rPr lang="en-US" sz="1600" dirty="0"/>
               <a:t>Private is the default when no Accessibly level set when declaring a variable. </a:t>
             </a:r>
           </a:p>
@@ -16824,7 +16454,7 @@
                 <a:spcPts val="0"/>
               </a:spcBef>
             </a:pPr>
-            <a:endParaRPr lang="en-US" sz="2000" dirty="0" smtClean="0"/>
+            <a:endParaRPr lang="en-US" sz="2000" dirty="0"/>
           </a:p>
           <a:p>
             <a:pPr lvl="0" indent="-457200">
@@ -16833,12 +16463,8 @@
               </a:spcBef>
             </a:pPr>
             <a:r>
-              <a:rPr lang="en-US" sz="2000" dirty="0" smtClean="0"/>
-              <a:t>Public </a:t>
-            </a:r>
-            <a:r>
               <a:rPr lang="en-US" sz="2000" dirty="0"/>
-              <a:t>	</a:t>
+              <a:t>Public 	</a:t>
             </a:r>
           </a:p>
           <a:p>
@@ -16849,11 +16475,7 @@
             </a:pPr>
             <a:r>
               <a:rPr lang="en-US" sz="1600" dirty="0"/>
-              <a:t>Variable </a:t>
-            </a:r>
-            <a:r>
-              <a:rPr lang="en-US" sz="1600" dirty="0" smtClean="0"/>
-              <a:t>is accessible from out side of the class via dot operator (.)</a:t>
+              <a:t>Variable is accessible from out side of the class via dot operator (.)</a:t>
             </a:r>
           </a:p>
           <a:p>
@@ -16863,7 +16485,7 @@
               </a:spcBef>
             </a:pPr>
             <a:r>
-              <a:rPr lang="en-US" sz="1600" dirty="0" smtClean="0"/>
+              <a:rPr lang="en-US" sz="1600" dirty="0"/>
               <a:t>Public Variables of Scripts are visible and editable in the Unity Editor</a:t>
             </a:r>
           </a:p>
@@ -16873,7 +16495,7 @@
                 <a:spcPts val="0"/>
               </a:spcBef>
             </a:pPr>
-            <a:endParaRPr lang="en-US" sz="2000" dirty="0" smtClean="0"/>
+            <a:endParaRPr lang="en-US" sz="2000" dirty="0"/>
           </a:p>
           <a:p>
             <a:pPr lvl="0" indent="-457200">
@@ -16882,12 +16504,8 @@
               </a:spcBef>
             </a:pPr>
             <a:r>
-              <a:rPr lang="en-US" sz="2000" dirty="0" smtClean="0"/>
-              <a:t>Protected</a:t>
-            </a:r>
-            <a:r>
               <a:rPr lang="en-US" sz="2000" dirty="0"/>
-              <a:t>	</a:t>
+              <a:t>Protected	</a:t>
             </a:r>
           </a:p>
           <a:p>
@@ -16897,7 +16515,7 @@
               </a:spcBef>
             </a:pPr>
             <a:r>
-              <a:rPr lang="en-US" sz="1600" dirty="0" smtClean="0"/>
+              <a:rPr lang="en-US" sz="1600" dirty="0"/>
               <a:t>This Accessibility level is used with Inheritance</a:t>
             </a:r>
           </a:p>
@@ -16908,7 +16526,7 @@
               </a:spcBef>
             </a:pPr>
             <a:r>
-              <a:rPr lang="en-US" sz="1600" dirty="0" smtClean="0"/>
+              <a:rPr lang="en-US" sz="1600" dirty="0"/>
               <a:t>You won’t be using it in this class but should know it exists </a:t>
             </a:r>
             <a:endParaRPr lang="en-US" sz="2000" dirty="0">
@@ -16976,13 +16594,6 @@
   <p:clrMapOvr>
     <a:masterClrMapping/>
   </p:clrMapOvr>
-  <p:timing>
-    <p:tnLst>
-      <p:par>
-        <p:cTn id="1" dur="indefinite" restart="never" nodeType="tmRoot"/>
-      </p:par>
-    </p:tnLst>
-  </p:timing>
 </p:sld>
 </file>
 
@@ -17032,7 +16643,7 @@
               <a:buSzPct val="25000"/>
             </a:pPr>
             <a:r>
-              <a:rPr lang="en-US" dirty="0" smtClean="0"/>
+              <a:rPr lang="en-US" dirty="0"/>
               <a:t>Declare and Initiation Examples</a:t>
             </a:r>
             <a:endParaRPr lang="en-US" sz="4400" b="0" i="0" u="none" strike="noStrike" cap="none" dirty="0">
@@ -17079,14 +16690,10 @@
             </a:pPr>
             <a:r>
               <a:rPr lang="en-US" sz="2000" dirty="0"/>
-              <a:t>b</a:t>
-            </a:r>
-            <a:r>
-              <a:rPr lang="en-US" sz="2000" dirty="0" smtClean="0"/>
-              <a:t>ool		</a:t>
-            </a:r>
-            <a:r>
-              <a:rPr lang="en-US" sz="2000" dirty="0" smtClean="0">
+              <a:t>bool		</a:t>
+            </a:r>
+            <a:r>
+              <a:rPr lang="en-US" sz="2000" dirty="0">
                 <a:latin typeface="Courier New" panose="02070309020205020404" pitchFamily="49" charset="0"/>
                 <a:cs typeface="Courier New" panose="02070309020205020404" pitchFamily="49" charset="0"/>
               </a:rPr>
@@ -17097,26 +16704,15 @@
                 <a:latin typeface="Courier New" panose="02070309020205020404" pitchFamily="49" charset="0"/>
                 <a:cs typeface="Courier New" panose="02070309020205020404" pitchFamily="49" charset="0"/>
               </a:rPr>
-              <a:t>i</a:t>
-            </a:r>
-            <a:r>
-              <a:rPr lang="en-US" sz="2000" dirty="0" err="1" smtClean="0">
-                <a:latin typeface="Courier New" panose="02070309020205020404" pitchFamily="49" charset="0"/>
-                <a:cs typeface="Courier New" panose="02070309020205020404" pitchFamily="49" charset="0"/>
-              </a:rPr>
-              <a:t>sJibable</a:t>
-            </a:r>
-            <a:r>
-              <a:rPr lang="en-US" sz="2000" dirty="0" smtClean="0">
+              <a:t>isJibable</a:t>
+            </a:r>
+            <a:r>
+              <a:rPr lang="en-US" sz="2000" dirty="0">
                 <a:latin typeface="Courier New" panose="02070309020205020404" pitchFamily="49" charset="0"/>
                 <a:cs typeface="Courier New" panose="02070309020205020404" pitchFamily="49" charset="0"/>
               </a:rPr>
               <a:t> =	false;</a:t>
             </a:r>
-            <a:endParaRPr lang="en-US" sz="2000" dirty="0">
-              <a:latin typeface="Courier New" panose="02070309020205020404" pitchFamily="49" charset="0"/>
-              <a:cs typeface="Courier New" panose="02070309020205020404" pitchFamily="49" charset="0"/>
-            </a:endParaRPr>
           </a:p>
           <a:p>
             <a:pPr lvl="0" indent="-457200">
@@ -17129,7 +16725,7 @@
               <a:t>i</a:t>
             </a:r>
             <a:r>
-              <a:rPr lang="en-US" sz="2000" b="0" i="0" u="none" strike="noStrike" cap="none" dirty="0" err="1" smtClean="0">
+              <a:rPr lang="en-US" sz="2000" b="0" i="0" u="none" strike="noStrike" cap="none" dirty="0" err="1">
                 <a:solidFill>
                   <a:schemeClr val="dk1"/>
                 </a:solidFill>
@@ -17138,7 +16734,7 @@
               <a:t>nt</a:t>
             </a:r>
             <a:r>
-              <a:rPr lang="en-US" sz="2000" b="0" i="0" u="none" strike="noStrike" cap="none" dirty="0" smtClean="0">
+              <a:rPr lang="en-US" sz="2000" b="0" i="0" u="none" strike="noStrike" cap="none" dirty="0">
                 <a:solidFill>
                   <a:schemeClr val="dk1"/>
                 </a:solidFill>
@@ -17151,14 +16747,14 @@
               <a:t>	</a:t>
             </a:r>
             <a:r>
-              <a:rPr lang="en-US" sz="2000" dirty="0" smtClean="0">
+              <a:rPr lang="en-US" sz="2000" dirty="0">
                 <a:latin typeface="Courier New" panose="02070309020205020404" pitchFamily="49" charset="0"/>
                 <a:cs typeface="Courier New" panose="02070309020205020404" pitchFamily="49" charset="0"/>
               </a:rPr>
               <a:t>private </a:t>
             </a:r>
             <a:r>
-              <a:rPr lang="en-US" sz="2000" b="0" i="0" u="none" strike="noStrike" cap="none" dirty="0" err="1" smtClean="0">
+              <a:rPr lang="en-US" sz="2000" b="0" i="0" u="none" strike="noStrike" cap="none" dirty="0" err="1">
                 <a:solidFill>
                   <a:schemeClr val="dk1"/>
                 </a:solidFill>
@@ -17169,7 +16765,7 @@
               <a:t>int</a:t>
             </a:r>
             <a:r>
-              <a:rPr lang="en-US" sz="2000" b="0" i="0" u="none" strike="noStrike" cap="none" dirty="0" smtClean="0">
+              <a:rPr lang="en-US" sz="2000" b="0" i="0" u="none" strike="noStrike" cap="none" dirty="0">
                 <a:solidFill>
                   <a:schemeClr val="dk1"/>
                 </a:solidFill>
@@ -17180,14 +16776,14 @@
               <a:t> </a:t>
             </a:r>
             <a:r>
-              <a:rPr lang="en-US" sz="2000" dirty="0" err="1" smtClean="0">
+              <a:rPr lang="en-US" sz="2000" dirty="0" err="1">
                 <a:latin typeface="Courier New" panose="02070309020205020404" pitchFamily="49" charset="0"/>
                 <a:cs typeface="Courier New" panose="02070309020205020404" pitchFamily="49" charset="0"/>
               </a:rPr>
               <a:t>a</a:t>
             </a:r>
             <a:r>
-              <a:rPr lang="en-US" sz="2000" b="0" i="0" u="none" strike="noStrike" cap="none" dirty="0" err="1" smtClean="0">
+              <a:rPr lang="en-US" sz="2000" b="0" i="0" u="none" strike="noStrike" cap="none" dirty="0" err="1">
                 <a:solidFill>
                   <a:schemeClr val="dk1"/>
                 </a:solidFill>
@@ -17198,7 +16794,7 @@
               <a:t>mmoCount</a:t>
             </a:r>
             <a:r>
-              <a:rPr lang="en-US" sz="2000" b="0" i="0" u="none" strike="noStrike" cap="none" dirty="0" smtClean="0">
+              <a:rPr lang="en-US" sz="2000" b="0" i="0" u="none" strike="noStrike" cap="none" dirty="0">
                 <a:solidFill>
                   <a:schemeClr val="dk1"/>
                 </a:solidFill>
@@ -17216,30 +16812,15 @@
               </a:spcBef>
             </a:pPr>
             <a:r>
-              <a:rPr lang="en-US" sz="2000" dirty="0" smtClean="0"/>
-              <a:t>double	</a:t>
-            </a:r>
-            <a:r>
               <a:rPr lang="en-US" sz="2000" dirty="0"/>
-              <a:t> </a:t>
-            </a:r>
-            <a:r>
-              <a:rPr lang="en-US" sz="2000" dirty="0" smtClean="0"/>
-              <a:t>	</a:t>
-            </a:r>
-            <a:r>
-              <a:rPr lang="en-US" sz="2000" dirty="0" smtClean="0">
-                <a:latin typeface="Courier New" panose="02070309020205020404" pitchFamily="49" charset="0"/>
-                <a:cs typeface="Courier New" panose="02070309020205020404" pitchFamily="49" charset="0"/>
-              </a:rPr>
-              <a:t>private energy </a:t>
+              <a:t>double	 	</a:t>
             </a:r>
             <a:r>
               <a:rPr lang="en-US" sz="2000" dirty="0">
                 <a:latin typeface="Courier New" panose="02070309020205020404" pitchFamily="49" charset="0"/>
                 <a:cs typeface="Courier New" panose="02070309020205020404" pitchFamily="49" charset="0"/>
               </a:rPr>
-              <a:t>= 1.21; //(J)gigawatts</a:t>
+              <a:t>private energy = 1.21; //(J)gigawatts</a:t>
             </a:r>
             <a:endParaRPr lang="en-US" sz="2000" b="0" i="0" u="none" strike="noStrike" cap="none" dirty="0">
               <a:solidFill>
@@ -17253,11 +16834,11 @@
           <a:p>
             <a:pPr lvl="0" indent="-457200"/>
             <a:r>
-              <a:rPr lang="en-US" sz="2000" dirty="0" smtClean="0"/>
+              <a:rPr lang="en-US" sz="2000" dirty="0"/>
               <a:t>f</a:t>
             </a:r>
             <a:r>
-              <a:rPr lang="en-US" sz="2000" b="0" i="0" u="none" strike="noStrike" cap="none" dirty="0" smtClean="0">
+              <a:rPr lang="en-US" sz="2000" b="0" i="0" u="none" strike="noStrike" cap="none" dirty="0">
                 <a:solidFill>
                   <a:schemeClr val="dk1"/>
                 </a:solidFill>
@@ -17266,7 +16847,7 @@
               <a:t>loat		</a:t>
             </a:r>
             <a:r>
-              <a:rPr lang="en-US" sz="2000" b="0" i="0" u="none" strike="noStrike" cap="none" dirty="0" smtClean="0">
+              <a:rPr lang="en-US" sz="2000" b="0" i="0" u="none" strike="noStrike" cap="none" dirty="0">
                 <a:solidFill>
                   <a:schemeClr val="dk1"/>
                 </a:solidFill>
@@ -17277,14 +16858,14 @@
               <a:t>protected </a:t>
             </a:r>
             <a:r>
-              <a:rPr lang="en-US" sz="2000" dirty="0" err="1" smtClean="0">
+              <a:rPr lang="en-US" sz="2000" dirty="0" err="1">
                 <a:latin typeface="Courier New" panose="02070309020205020404" pitchFamily="49" charset="0"/>
                 <a:cs typeface="Courier New" panose="02070309020205020404" pitchFamily="49" charset="0"/>
               </a:rPr>
               <a:t>d</a:t>
             </a:r>
             <a:r>
-              <a:rPr lang="en-US" sz="2000" b="0" i="0" u="none" strike="noStrike" cap="none" dirty="0" err="1" smtClean="0">
+              <a:rPr lang="en-US" sz="2000" b="0" i="0" u="none" strike="noStrike" cap="none" dirty="0" err="1">
                 <a:solidFill>
                   <a:schemeClr val="dk1"/>
                 </a:solidFill>
@@ -17295,7 +16876,7 @@
               <a:t>ropChance</a:t>
             </a:r>
             <a:r>
-              <a:rPr lang="en-US" sz="2000" b="0" i="0" u="none" strike="noStrike" cap="none" dirty="0" smtClean="0">
+              <a:rPr lang="en-US" sz="2000" b="0" i="0" u="none" strike="noStrike" cap="none" dirty="0">
                 <a:solidFill>
                   <a:schemeClr val="dk1"/>
                 </a:solidFill>
@@ -17306,13 +16887,13 @@
               <a:t> = .</a:t>
             </a:r>
             <a:r>
-              <a:rPr lang="en-US" sz="2000" dirty="0" smtClean="0">
+              <a:rPr lang="en-US" sz="2000" dirty="0">
                 <a:latin typeface="Courier New" panose="02070309020205020404" pitchFamily="49" charset="0"/>
                 <a:cs typeface="Courier New" panose="02070309020205020404" pitchFamily="49" charset="0"/>
               </a:rPr>
               <a:t>5; </a:t>
             </a:r>
-            <a:endParaRPr lang="en-US" sz="1600" b="0" i="0" u="none" strike="noStrike" cap="none" dirty="0" smtClean="0">
+            <a:endParaRPr lang="en-US" sz="1600" b="0" i="0" u="none" strike="noStrike" cap="none" dirty="0">
               <a:solidFill>
                 <a:schemeClr val="dk1"/>
               </a:solidFill>
@@ -17322,11 +16903,11 @@
           <a:p>
             <a:pPr lvl="0" indent="-457200"/>
             <a:r>
-              <a:rPr lang="en-US" sz="2000" dirty="0" smtClean="0"/>
+              <a:rPr lang="en-US" sz="2000" dirty="0"/>
               <a:t>c</a:t>
             </a:r>
             <a:r>
-              <a:rPr lang="en-US" sz="2000" b="0" i="0" u="none" strike="noStrike" cap="none" dirty="0" smtClean="0">
+              <a:rPr lang="en-US" sz="2000" b="0" i="0" u="none" strike="noStrike" cap="none" dirty="0">
                 <a:solidFill>
                   <a:schemeClr val="dk1"/>
                 </a:solidFill>
@@ -17335,7 +16916,7 @@
               <a:t>har			</a:t>
             </a:r>
             <a:r>
-              <a:rPr lang="en-US" sz="2000" b="0" i="0" u="none" strike="noStrike" cap="none" dirty="0" smtClean="0">
+              <a:rPr lang="en-US" sz="2000" b="0" i="0" u="none" strike="noStrike" cap="none" dirty="0">
                 <a:solidFill>
                   <a:schemeClr val="dk1"/>
                 </a:solidFill>
@@ -17346,7 +16927,7 @@
               <a:t>private char </a:t>
             </a:r>
             <a:r>
-              <a:rPr lang="en-US" sz="2000" b="0" i="0" u="none" strike="noStrike" cap="none" dirty="0" err="1" smtClean="0">
+              <a:rPr lang="en-US" sz="2000" b="0" i="0" u="none" strike="noStrike" cap="none" dirty="0" err="1">
                 <a:solidFill>
                   <a:schemeClr val="dk1"/>
                 </a:solidFill>
@@ -17357,7 +16938,7 @@
               <a:t>userLetter</a:t>
             </a:r>
             <a:r>
-              <a:rPr lang="en-US" sz="2000" b="0" i="0" u="none" strike="noStrike" cap="none" dirty="0" smtClean="0">
+              <a:rPr lang="en-US" sz="2000" b="0" i="0" u="none" strike="noStrike" cap="none" dirty="0">
                 <a:solidFill>
                   <a:schemeClr val="dk1"/>
                 </a:solidFill>
@@ -17368,7 +16949,7 @@
               <a:t> = </a:t>
             </a:r>
             <a:r>
-              <a:rPr lang="en-US" sz="2000" dirty="0" smtClean="0">
+              <a:rPr lang="en-US" sz="2000" dirty="0">
                 <a:latin typeface="Courier New" panose="02070309020205020404" pitchFamily="49" charset="0"/>
                 <a:cs typeface="Courier New" panose="02070309020205020404" pitchFamily="49" charset="0"/>
               </a:rPr>
@@ -17378,11 +16959,11 @@
           <a:p>
             <a:pPr lvl="0" indent="-457200"/>
             <a:r>
-              <a:rPr lang="en-US" sz="2000" dirty="0" smtClean="0"/>
+              <a:rPr lang="en-US" sz="2000" dirty="0"/>
               <a:t>s</a:t>
             </a:r>
             <a:r>
-              <a:rPr lang="en-US" sz="2000" b="0" i="0" u="none" strike="noStrike" cap="none" dirty="0" smtClean="0">
+              <a:rPr lang="en-US" sz="2000" b="0" i="0" u="none" strike="noStrike" cap="none" dirty="0">
                 <a:solidFill>
                   <a:schemeClr val="dk1"/>
                 </a:solidFill>
@@ -17391,7 +16972,7 @@
               <a:t>tring		</a:t>
             </a:r>
             <a:r>
-              <a:rPr lang="en-US" sz="2000" b="0" i="0" u="none" strike="noStrike" cap="none" dirty="0" smtClean="0">
+              <a:rPr lang="en-US" sz="2000" b="0" i="0" u="none" strike="noStrike" cap="none" dirty="0">
                 <a:solidFill>
                   <a:schemeClr val="dk1"/>
                 </a:solidFill>
@@ -17402,7 +16983,7 @@
               <a:t>public string </a:t>
             </a:r>
             <a:r>
-              <a:rPr lang="en-US" sz="2000" b="0" i="0" u="none" strike="noStrike" cap="none" dirty="0" err="1" smtClean="0">
+              <a:rPr lang="en-US" sz="2000" b="0" i="0" u="none" strike="noStrike" cap="none" dirty="0" err="1">
                 <a:solidFill>
                   <a:schemeClr val="dk1"/>
                 </a:solidFill>
@@ -17413,7 +16994,7 @@
               <a:t>userGreeting</a:t>
             </a:r>
             <a:r>
-              <a:rPr lang="en-US" sz="2000" b="0" i="0" u="none" strike="noStrike" cap="none" dirty="0" smtClean="0">
+              <a:rPr lang="en-US" sz="2000" b="0" i="0" u="none" strike="noStrike" cap="none" dirty="0">
                 <a:solidFill>
                   <a:schemeClr val="dk1"/>
                 </a:solidFill>
@@ -17424,7 +17005,7 @@
               <a:t> =</a:t>
             </a:r>
             <a:r>
-              <a:rPr lang="en-US" sz="2000" dirty="0" smtClean="0">
+              <a:rPr lang="en-US" sz="2000" dirty="0">
                 <a:latin typeface="Courier New" panose="02070309020205020404" pitchFamily="49" charset="0"/>
                 <a:cs typeface="Courier New" panose="02070309020205020404" pitchFamily="49" charset="0"/>
               </a:rPr>
@@ -17434,39 +17015,39 @@
           <a:p>
             <a:pPr lvl="0" indent="-457200"/>
             <a:r>
-              <a:rPr lang="en-US" sz="2000" dirty="0" smtClean="0">
+              <a:rPr lang="en-US" sz="2000" dirty="0">
                 <a:cs typeface="Courier New" panose="02070309020205020404" pitchFamily="49" charset="0"/>
               </a:rPr>
               <a:t>Class		</a:t>
             </a:r>
             <a:r>
-              <a:rPr lang="en-US" sz="2000" dirty="0" smtClean="0">
+              <a:rPr lang="en-US" sz="2000" dirty="0">
                 <a:latin typeface="Courier New" panose="02070309020205020404" pitchFamily="49" charset="0"/>
                 <a:cs typeface="Courier New" panose="02070309020205020404" pitchFamily="49" charset="0"/>
               </a:rPr>
               <a:t>public </a:t>
             </a:r>
             <a:r>
-              <a:rPr lang="en-US" sz="2000" dirty="0" err="1" smtClean="0">
+              <a:rPr lang="en-US" sz="2000" dirty="0" err="1">
                 <a:latin typeface="Courier New" panose="02070309020205020404" pitchFamily="49" charset="0"/>
                 <a:cs typeface="Courier New" panose="02070309020205020404" pitchFamily="49" charset="0"/>
               </a:rPr>
-              <a:t>gameObject</a:t>
-            </a:r>
-            <a:r>
-              <a:rPr lang="en-US" sz="2000" dirty="0" smtClean="0">
+              <a:t>GameObject</a:t>
+            </a:r>
+            <a:r>
+              <a:rPr lang="en-US" sz="2000" dirty="0">
                 <a:latin typeface="Courier New" panose="02070309020205020404" pitchFamily="49" charset="0"/>
                 <a:cs typeface="Courier New" panose="02070309020205020404" pitchFamily="49" charset="0"/>
               </a:rPr>
               <a:t> bullet;</a:t>
             </a:r>
             <a:r>
-              <a:rPr lang="en-US" sz="2000" dirty="0" smtClean="0">
+              <a:rPr lang="en-US" sz="2000" dirty="0">
                 <a:cs typeface="Courier New" panose="02070309020205020404" pitchFamily="49" charset="0"/>
               </a:rPr>
               <a:t> </a:t>
             </a:r>
-            <a:endParaRPr lang="en-US" sz="2000" b="0" i="0" u="none" strike="noStrike" cap="none" dirty="0" smtClean="0">
+            <a:endParaRPr lang="en-US" sz="2000" b="0" i="0" u="none" strike="noStrike" cap="none" dirty="0">
               <a:solidFill>
                 <a:schemeClr val="dk1"/>
               </a:solidFill>
@@ -17550,13 +17131,6 @@
   <p:clrMapOvr>
     <a:masterClrMapping/>
   </p:clrMapOvr>
-  <p:timing>
-    <p:tnLst>
-      <p:par>
-        <p:cTn id="1" dur="indefinite" restart="never" nodeType="tmRoot"/>
-      </p:par>
-    </p:tnLst>
-  </p:timing>
 </p:sld>
 </file>
 
